--- a/ch9.pptx
+++ b/ch9.pptx
@@ -590,14 +590,14 @@
           </a:ln>
           <a:extLst>
             <a:ext uri="{909E8E84-426E-40dd-AFC4-6F175D3DCCD1}">
-              <a14:hiddenFill xmlns:a14="http://schemas.microsoft.com/office/drawing/2010/main" xmlns="">
+              <a14:hiddenFill xmlns="" xmlns:a14="http://schemas.microsoft.com/office/drawing/2010/main">
                 <a:solidFill>
                   <a:srgbClr val="FFFFFF"/>
                 </a:solidFill>
               </a14:hiddenFill>
             </a:ext>
             <a:ext uri="{FAA26D3D-D897-4be2-8F04-BA451C77F1D7}">
-              <ma14:placeholderFlag xmlns:ma14="http://schemas.microsoft.com/office/mac/drawingml/2011/main" xmlns="" val="1"/>
+              <ma14:placeholderFlag xmlns="" xmlns:ma14="http://schemas.microsoft.com/office/mac/drawingml/2011/main" val="1"/>
             </a:ext>
           </a:extLst>
         </p:spPr>
@@ -1036,14 +1036,14 @@
           <a:ln w="9525"/>
           <a:extLst>
             <a:ext uri="{909E8E84-426E-40dd-AFC4-6F175D3DCCD1}">
-              <a14:hiddenFill xmlns:a14="http://schemas.microsoft.com/office/drawing/2010/main" xmlns="">
+              <a14:hiddenFill xmlns="" xmlns:a14="http://schemas.microsoft.com/office/drawing/2010/main">
                 <a:solidFill>
                   <a:srgbClr val="FFFFFF"/>
                 </a:solidFill>
               </a14:hiddenFill>
             </a:ext>
             <a:ext uri="{91240B29-F687-4f45-9708-019B960494DF}">
-              <a14:hiddenLine xmlns:a14="http://schemas.microsoft.com/office/drawing/2010/main" xmlns="" w="12700" cap="sq">
+              <a14:hiddenLine xmlns="" xmlns:a14="http://schemas.microsoft.com/office/drawing/2010/main" w="12700" cap="sq">
                 <a:solidFill>
                   <a:srgbClr val="000000"/>
                 </a:solidFill>
@@ -1207,14 +1207,14 @@
           <a:ln w="9525"/>
           <a:extLst>
             <a:ext uri="{909E8E84-426E-40dd-AFC4-6F175D3DCCD1}">
-              <a14:hiddenFill xmlns:a14="http://schemas.microsoft.com/office/drawing/2010/main" xmlns="">
+              <a14:hiddenFill xmlns="" xmlns:a14="http://schemas.microsoft.com/office/drawing/2010/main">
                 <a:solidFill>
                   <a:srgbClr val="FFFFFF"/>
                 </a:solidFill>
               </a14:hiddenFill>
             </a:ext>
             <a:ext uri="{91240B29-F687-4f45-9708-019B960494DF}">
-              <a14:hiddenLine xmlns:a14="http://schemas.microsoft.com/office/drawing/2010/main" xmlns="" w="12700" cap="sq">
+              <a14:hiddenLine xmlns="" xmlns:a14="http://schemas.microsoft.com/office/drawing/2010/main" w="12700" cap="sq">
                 <a:solidFill>
                   <a:srgbClr val="000000"/>
                 </a:solidFill>
@@ -1224,7 +1224,7 @@
               </a14:hiddenLine>
             </a:ext>
             <a:ext uri="{FAA26D3D-D897-4be2-8F04-BA451C77F1D7}">
-              <ma14:placeholderFlag xmlns:ma14="http://schemas.microsoft.com/office/mac/drawingml/2011/main" xmlns="" val="1"/>
+              <ma14:placeholderFlag xmlns="" xmlns:ma14="http://schemas.microsoft.com/office/mac/drawingml/2011/main" val="1"/>
             </a:ext>
           </a:extLst>
         </p:spPr>
@@ -1278,14 +1278,14 @@
           <a:ln w="9525"/>
           <a:extLst>
             <a:ext uri="{909E8E84-426E-40dd-AFC4-6F175D3DCCD1}">
-              <a14:hiddenFill xmlns:a14="http://schemas.microsoft.com/office/drawing/2010/main" xmlns="">
+              <a14:hiddenFill xmlns="" xmlns:a14="http://schemas.microsoft.com/office/drawing/2010/main">
                 <a:solidFill>
                   <a:srgbClr val="FFFFFF"/>
                 </a:solidFill>
               </a14:hiddenFill>
             </a:ext>
             <a:ext uri="{91240B29-F687-4f45-9708-019B960494DF}">
-              <a14:hiddenLine xmlns:a14="http://schemas.microsoft.com/office/drawing/2010/main" xmlns="" w="12700" cap="sq">
+              <a14:hiddenLine xmlns="" xmlns:a14="http://schemas.microsoft.com/office/drawing/2010/main" w="12700" cap="sq">
                 <a:solidFill>
                   <a:srgbClr val="000000"/>
                 </a:solidFill>
@@ -1449,14 +1449,14 @@
           <a:ln w="9525"/>
           <a:extLst>
             <a:ext uri="{909E8E84-426E-40dd-AFC4-6F175D3DCCD1}">
-              <a14:hiddenFill xmlns:a14="http://schemas.microsoft.com/office/drawing/2010/main" xmlns="">
+              <a14:hiddenFill xmlns="" xmlns:a14="http://schemas.microsoft.com/office/drawing/2010/main">
                 <a:solidFill>
                   <a:srgbClr val="FFFFFF"/>
                 </a:solidFill>
               </a14:hiddenFill>
             </a:ext>
             <a:ext uri="{91240B29-F687-4f45-9708-019B960494DF}">
-              <a14:hiddenLine xmlns:a14="http://schemas.microsoft.com/office/drawing/2010/main" xmlns="" w="12700" cap="sq">
+              <a14:hiddenLine xmlns="" xmlns:a14="http://schemas.microsoft.com/office/drawing/2010/main" w="12700" cap="sq">
                 <a:solidFill>
                   <a:srgbClr val="000000"/>
                 </a:solidFill>
@@ -1466,7 +1466,7 @@
               </a14:hiddenLine>
             </a:ext>
             <a:ext uri="{FAA26D3D-D897-4be2-8F04-BA451C77F1D7}">
-              <ma14:placeholderFlag xmlns:ma14="http://schemas.microsoft.com/office/mac/drawingml/2011/main" xmlns="" val="1"/>
+              <ma14:placeholderFlag xmlns="" xmlns:ma14="http://schemas.microsoft.com/office/mac/drawingml/2011/main" val="1"/>
             </a:ext>
           </a:extLst>
         </p:spPr>
@@ -1527,14 +1527,14 @@
           </a:ln>
           <a:extLst>
             <a:ext uri="{909E8E84-426E-40dd-AFC4-6F175D3DCCD1}">
-              <a14:hiddenFill xmlns:a14="http://schemas.microsoft.com/office/drawing/2010/main" xmlns="">
+              <a14:hiddenFill xmlns="" xmlns:a14="http://schemas.microsoft.com/office/drawing/2010/main">
                 <a:solidFill>
                   <a:srgbClr val="FFFFFF"/>
                 </a:solidFill>
               </a14:hiddenFill>
             </a:ext>
             <a:ext uri="{91240B29-F687-4f45-9708-019B960494DF}">
-              <a14:hiddenLine xmlns:a14="http://schemas.microsoft.com/office/drawing/2010/main" xmlns="" w="9525">
+              <a14:hiddenLine xmlns="" xmlns:a14="http://schemas.microsoft.com/office/drawing/2010/main" w="9525">
                 <a:solidFill>
                   <a:srgbClr val="000000"/>
                 </a:solidFill>
@@ -1695,14 +1695,14 @@
           </a:ln>
           <a:extLst>
             <a:ext uri="{909E8E84-426E-40dd-AFC4-6F175D3DCCD1}">
-              <a14:hiddenFill xmlns:a14="http://schemas.microsoft.com/office/drawing/2010/main" xmlns="">
+              <a14:hiddenFill xmlns="" xmlns:a14="http://schemas.microsoft.com/office/drawing/2010/main">
                 <a:solidFill>
                   <a:srgbClr val="FFFFFF"/>
                 </a:solidFill>
               </a14:hiddenFill>
             </a:ext>
             <a:ext uri="{91240B29-F687-4f45-9708-019B960494DF}">
-              <a14:hiddenLine xmlns:a14="http://schemas.microsoft.com/office/drawing/2010/main" xmlns="" w="9525">
+              <a14:hiddenLine xmlns="" xmlns:a14="http://schemas.microsoft.com/office/drawing/2010/main" w="9525">
                 <a:solidFill>
                   <a:srgbClr val="000000"/>
                 </a:solidFill>
@@ -1767,7 +1767,7 @@
           </a:ln>
           <a:extLst>
             <a:ext uri="{91240B29-F687-4f45-9708-019B960494DF}">
-              <a14:hiddenLine xmlns:a14="http://schemas.microsoft.com/office/drawing/2010/main" xmlns="" w="9525">
+              <a14:hiddenLine xmlns="" xmlns:a14="http://schemas.microsoft.com/office/drawing/2010/main" w="9525">
                 <a:solidFill>
                   <a:srgbClr val="000000"/>
                 </a:solidFill>
@@ -3718,14 +3718,14 @@
           </a:ln>
           <a:extLst>
             <a:ext uri="{909E8E84-426E-40dd-AFC4-6F175D3DCCD1}">
-              <a14:hiddenFill xmlns:a14="http://schemas.microsoft.com/office/drawing/2010/main" xmlns="">
+              <a14:hiddenFill xmlns="" xmlns:a14="http://schemas.microsoft.com/office/drawing/2010/main">
                 <a:solidFill>
                   <a:srgbClr val="FFFFFF"/>
                 </a:solidFill>
               </a14:hiddenFill>
             </a:ext>
             <a:ext uri="{91240B29-F687-4f45-9708-019B960494DF}">
-              <a14:hiddenLine xmlns:a14="http://schemas.microsoft.com/office/drawing/2010/main" xmlns="" w="9525">
+              <a14:hiddenLine xmlns="" xmlns:a14="http://schemas.microsoft.com/office/drawing/2010/main" w="9525">
                 <a:solidFill>
                   <a:srgbClr val="000000"/>
                 </a:solidFill>
@@ -3735,7 +3735,7 @@
               </a14:hiddenLine>
             </a:ext>
             <a:ext uri="{FAA26D3D-D897-4be2-8F04-BA451C77F1D7}">
-              <ma14:placeholderFlag xmlns:ma14="http://schemas.microsoft.com/office/mac/drawingml/2011/main" xmlns="" val="1"/>
+              <ma14:placeholderFlag xmlns="" xmlns:ma14="http://schemas.microsoft.com/office/mac/drawingml/2011/main" val="1"/>
             </a:ext>
           </a:extLst>
         </p:spPr>
@@ -3779,14 +3779,14 @@
           </a:ln>
           <a:extLst>
             <a:ext uri="{909E8E84-426E-40dd-AFC4-6F175D3DCCD1}">
-              <a14:hiddenFill xmlns:a14="http://schemas.microsoft.com/office/drawing/2010/main" xmlns="">
+              <a14:hiddenFill xmlns="" xmlns:a14="http://schemas.microsoft.com/office/drawing/2010/main">
                 <a:solidFill>
                   <a:srgbClr val="FFFFFF"/>
                 </a:solidFill>
               </a14:hiddenFill>
             </a:ext>
             <a:ext uri="{91240B29-F687-4f45-9708-019B960494DF}">
-              <a14:hiddenLine xmlns:a14="http://schemas.microsoft.com/office/drawing/2010/main" xmlns="" w="9525">
+              <a14:hiddenLine xmlns="" xmlns:a14="http://schemas.microsoft.com/office/drawing/2010/main" w="9525">
                 <a:solidFill>
                   <a:srgbClr val="000000"/>
                 </a:solidFill>
@@ -3796,7 +3796,7 @@
               </a14:hiddenLine>
             </a:ext>
             <a:ext uri="{FAA26D3D-D897-4be2-8F04-BA451C77F1D7}">
-              <ma14:placeholderFlag xmlns:ma14="http://schemas.microsoft.com/office/mac/drawingml/2011/main" xmlns="" val="1"/>
+              <ma14:placeholderFlag xmlns="" xmlns:ma14="http://schemas.microsoft.com/office/mac/drawingml/2011/main" val="1"/>
             </a:ext>
           </a:extLst>
         </p:spPr>
@@ -4363,14 +4363,14 @@
           <a:ln/>
           <a:extLst>
             <a:ext uri="{909E8E84-426E-40dd-AFC4-6F175D3DCCD1}">
-              <a14:hiddenFill xmlns:a14="http://schemas.microsoft.com/office/drawing/2010/main" xmlns="">
+              <a14:hiddenFill xmlns="" xmlns:a14="http://schemas.microsoft.com/office/drawing/2010/main">
                 <a:solidFill>
                   <a:srgbClr val="FFFFFF"/>
                 </a:solidFill>
               </a14:hiddenFill>
             </a:ext>
             <a:ext uri="{91240B29-F687-4f45-9708-019B960494DF}">
-              <a14:hiddenLine xmlns:a14="http://schemas.microsoft.com/office/drawing/2010/main" xmlns="" w="9525">
+              <a14:hiddenLine xmlns="" xmlns:a14="http://schemas.microsoft.com/office/drawing/2010/main" w="9525">
                 <a:solidFill>
                   <a:srgbClr val="000000"/>
                 </a:solidFill>
@@ -4527,14 +4527,14 @@
           </a:ln>
           <a:extLst>
             <a:ext uri="{909E8E84-426E-40dd-AFC4-6F175D3DCCD1}">
-              <a14:hiddenFill xmlns:a14="http://schemas.microsoft.com/office/drawing/2010/main" xmlns="">
+              <a14:hiddenFill xmlns="" xmlns:a14="http://schemas.microsoft.com/office/drawing/2010/main">
                 <a:solidFill>
                   <a:srgbClr val="FFFFFF"/>
                 </a:solidFill>
               </a14:hiddenFill>
             </a:ext>
             <a:ext uri="{91240B29-F687-4f45-9708-019B960494DF}">
-              <a14:hiddenLine xmlns:a14="http://schemas.microsoft.com/office/drawing/2010/main" xmlns="" w="9525">
+              <a14:hiddenLine xmlns="" xmlns:a14="http://schemas.microsoft.com/office/drawing/2010/main" w="9525">
                 <a:solidFill>
                   <a:srgbClr val="000000"/>
                 </a:solidFill>
@@ -4693,14 +4693,14 @@
           </a:ln>
           <a:extLst>
             <a:ext uri="{909E8E84-426E-40dd-AFC4-6F175D3DCCD1}">
-              <a14:hiddenFill xmlns:a14="http://schemas.microsoft.com/office/drawing/2010/main" xmlns="">
+              <a14:hiddenFill xmlns="" xmlns:a14="http://schemas.microsoft.com/office/drawing/2010/main">
                 <a:solidFill>
                   <a:srgbClr val="FFFFFF"/>
                 </a:solidFill>
               </a14:hiddenFill>
             </a:ext>
             <a:ext uri="{91240B29-F687-4f45-9708-019B960494DF}">
-              <a14:hiddenLine xmlns:a14="http://schemas.microsoft.com/office/drawing/2010/main" xmlns="" w="9525">
+              <a14:hiddenLine xmlns="" xmlns:a14="http://schemas.microsoft.com/office/drawing/2010/main" w="9525">
                 <a:solidFill>
                   <a:srgbClr val="000000"/>
                 </a:solidFill>
@@ -4760,14 +4760,14 @@
           </a:ln>
           <a:extLst>
             <a:ext uri="{909E8E84-426E-40dd-AFC4-6F175D3DCCD1}">
-              <a14:hiddenFill xmlns:a14="http://schemas.microsoft.com/office/drawing/2010/main" xmlns="">
+              <a14:hiddenFill xmlns="" xmlns:a14="http://schemas.microsoft.com/office/drawing/2010/main">
                 <a:solidFill>
                   <a:srgbClr val="FFFFFF"/>
                 </a:solidFill>
               </a14:hiddenFill>
             </a:ext>
             <a:ext uri="{91240B29-F687-4f45-9708-019B960494DF}">
-              <a14:hiddenLine xmlns:a14="http://schemas.microsoft.com/office/drawing/2010/main" xmlns="" w="9525">
+              <a14:hiddenLine xmlns="" xmlns:a14="http://schemas.microsoft.com/office/drawing/2010/main" w="9525">
                 <a:solidFill>
                   <a:srgbClr val="000000"/>
                 </a:solidFill>
@@ -4819,14 +4819,14 @@
           <a:ln/>
           <a:extLst>
             <a:ext uri="{909E8E84-426E-40dd-AFC4-6F175D3DCCD1}">
-              <a14:hiddenFill xmlns:a14="http://schemas.microsoft.com/office/drawing/2010/main" xmlns="">
+              <a14:hiddenFill xmlns="" xmlns:a14="http://schemas.microsoft.com/office/drawing/2010/main">
                 <a:solidFill>
                   <a:srgbClr val="FFFFFF"/>
                 </a:solidFill>
               </a14:hiddenFill>
             </a:ext>
             <a:ext uri="{91240B29-F687-4f45-9708-019B960494DF}">
-              <a14:hiddenLine xmlns:a14="http://schemas.microsoft.com/office/drawing/2010/main" xmlns="" w="9525">
+              <a14:hiddenLine xmlns="" xmlns:a14="http://schemas.microsoft.com/office/drawing/2010/main" w="9525">
                 <a:solidFill>
                   <a:srgbClr val="000000"/>
                 </a:solidFill>
@@ -4983,14 +4983,14 @@
           </a:ln>
           <a:extLst>
             <a:ext uri="{909E8E84-426E-40dd-AFC4-6F175D3DCCD1}">
-              <a14:hiddenFill xmlns:a14="http://schemas.microsoft.com/office/drawing/2010/main" xmlns="">
+              <a14:hiddenFill xmlns="" xmlns:a14="http://schemas.microsoft.com/office/drawing/2010/main">
                 <a:solidFill>
                   <a:srgbClr val="FFFFFF"/>
                 </a:solidFill>
               </a14:hiddenFill>
             </a:ext>
             <a:ext uri="{91240B29-F687-4f45-9708-019B960494DF}">
-              <a14:hiddenLine xmlns:a14="http://schemas.microsoft.com/office/drawing/2010/main" xmlns="" w="12700" cap="sq">
+              <a14:hiddenLine xmlns="" xmlns:a14="http://schemas.microsoft.com/office/drawing/2010/main" w="12700" cap="sq">
                 <a:solidFill>
                   <a:srgbClr val="000000"/>
                 </a:solidFill>
@@ -5147,7 +5147,7 @@
           </a:ln>
           <a:extLst>
             <a:ext uri="{91240B29-F687-4f45-9708-019B960494DF}">
-              <a14:hiddenLine xmlns:a14="http://schemas.microsoft.com/office/drawing/2010/main" xmlns="" w="12700" cap="sq">
+              <a14:hiddenLine xmlns="" xmlns:a14="http://schemas.microsoft.com/office/drawing/2010/main" w="12700" cap="sq">
                 <a:solidFill>
                   <a:srgbClr val="000000"/>
                 </a:solidFill>
@@ -5322,14 +5322,14 @@
           </a:ln>
           <a:extLst>
             <a:ext uri="{909E8E84-426E-40dd-AFC4-6F175D3DCCD1}">
-              <a14:hiddenFill xmlns:a14="http://schemas.microsoft.com/office/drawing/2010/main" xmlns="">
+              <a14:hiddenFill xmlns="" xmlns:a14="http://schemas.microsoft.com/office/drawing/2010/main">
                 <a:solidFill>
                   <a:srgbClr val="FFFFFF"/>
                 </a:solidFill>
               </a14:hiddenFill>
             </a:ext>
             <a:ext uri="{91240B29-F687-4f45-9708-019B960494DF}">
-              <a14:hiddenLine xmlns:a14="http://schemas.microsoft.com/office/drawing/2010/main" xmlns="" w="12700" cap="sq">
+              <a14:hiddenLine xmlns="" xmlns:a14="http://schemas.microsoft.com/office/drawing/2010/main" w="12700" cap="sq">
                 <a:solidFill>
                   <a:srgbClr val="000000"/>
                 </a:solidFill>
@@ -5486,7 +5486,7 @@
           </a:ln>
           <a:extLst>
             <a:ext uri="{91240B29-F687-4f45-9708-019B960494DF}">
-              <a14:hiddenLine xmlns:a14="http://schemas.microsoft.com/office/drawing/2010/main" xmlns="" w="12700" cap="sq">
+              <a14:hiddenLine xmlns="" xmlns:a14="http://schemas.microsoft.com/office/drawing/2010/main" w="12700" cap="sq">
                 <a:solidFill>
                   <a:srgbClr val="000000"/>
                 </a:solidFill>
@@ -5699,14 +5699,14 @@
           <a:ln/>
           <a:extLst>
             <a:ext uri="{909E8E84-426E-40dd-AFC4-6F175D3DCCD1}">
-              <a14:hiddenFill xmlns:a14="http://schemas.microsoft.com/office/drawing/2010/main" xmlns="">
+              <a14:hiddenFill xmlns="" xmlns:a14="http://schemas.microsoft.com/office/drawing/2010/main">
                 <a:solidFill>
                   <a:srgbClr val="FFFFFF"/>
                 </a:solidFill>
               </a14:hiddenFill>
             </a:ext>
             <a:ext uri="{91240B29-F687-4f45-9708-019B960494DF}">
-              <a14:hiddenLine xmlns:a14="http://schemas.microsoft.com/office/drawing/2010/main" xmlns="" w="9525">
+              <a14:hiddenLine xmlns="" xmlns:a14="http://schemas.microsoft.com/office/drawing/2010/main" w="9525">
                 <a:solidFill>
                   <a:srgbClr val="000000"/>
                 </a:solidFill>
@@ -5887,14 +5887,14 @@
           </a:ln>
           <a:extLst>
             <a:ext uri="{909E8E84-426E-40dd-AFC4-6F175D3DCCD1}">
-              <a14:hiddenFill xmlns:a14="http://schemas.microsoft.com/office/drawing/2010/main" xmlns="">
+              <a14:hiddenFill xmlns="" xmlns:a14="http://schemas.microsoft.com/office/drawing/2010/main">
                 <a:solidFill>
                   <a:srgbClr val="FFFFFF"/>
                 </a:solidFill>
               </a14:hiddenFill>
             </a:ext>
             <a:ext uri="{91240B29-F687-4f45-9708-019B960494DF}">
-              <a14:hiddenLine xmlns:a14="http://schemas.microsoft.com/office/drawing/2010/main" xmlns="" w="12700" cap="sq">
+              <a14:hiddenLine xmlns="" xmlns:a14="http://schemas.microsoft.com/office/drawing/2010/main" w="12700" cap="sq">
                 <a:solidFill>
                   <a:srgbClr val="000000"/>
                 </a:solidFill>
@@ -6051,7 +6051,7 @@
           </a:ln>
           <a:extLst>
             <a:ext uri="{91240B29-F687-4f45-9708-019B960494DF}">
-              <a14:hiddenLine xmlns:a14="http://schemas.microsoft.com/office/drawing/2010/main" xmlns="" w="12700" cap="sq">
+              <a14:hiddenLine xmlns="" xmlns:a14="http://schemas.microsoft.com/office/drawing/2010/main" w="12700" cap="sq">
                 <a:solidFill>
                   <a:srgbClr val="000000"/>
                 </a:solidFill>
@@ -6214,14 +6214,14 @@
           </a:ln>
           <a:extLst>
             <a:ext uri="{909E8E84-426E-40dd-AFC4-6F175D3DCCD1}">
-              <a14:hiddenFill xmlns:a14="http://schemas.microsoft.com/office/drawing/2010/main" xmlns="">
+              <a14:hiddenFill xmlns="" xmlns:a14="http://schemas.microsoft.com/office/drawing/2010/main">
                 <a:solidFill>
                   <a:srgbClr val="FFFFFF"/>
                 </a:solidFill>
               </a14:hiddenFill>
             </a:ext>
             <a:ext uri="{91240B29-F687-4f45-9708-019B960494DF}">
-              <a14:hiddenLine xmlns:a14="http://schemas.microsoft.com/office/drawing/2010/main" xmlns="" w="12700" cap="sq">
+              <a14:hiddenLine xmlns="" xmlns:a14="http://schemas.microsoft.com/office/drawing/2010/main" w="12700" cap="sq">
                 <a:solidFill>
                   <a:srgbClr val="000000"/>
                 </a:solidFill>
@@ -6378,7 +6378,7 @@
           </a:ln>
           <a:extLst>
             <a:ext uri="{91240B29-F687-4f45-9708-019B960494DF}">
-              <a14:hiddenLine xmlns:a14="http://schemas.microsoft.com/office/drawing/2010/main" xmlns="" w="12700" cap="sq">
+              <a14:hiddenLine xmlns="" xmlns:a14="http://schemas.microsoft.com/office/drawing/2010/main" w="12700" cap="sq">
                 <a:solidFill>
                   <a:srgbClr val="000000"/>
                 </a:solidFill>
@@ -6558,14 +6558,14 @@
           <a:ln/>
           <a:extLst>
             <a:ext uri="{909E8E84-426E-40dd-AFC4-6F175D3DCCD1}">
-              <a14:hiddenFill xmlns:a14="http://schemas.microsoft.com/office/drawing/2010/main" xmlns="">
+              <a14:hiddenFill xmlns="" xmlns:a14="http://schemas.microsoft.com/office/drawing/2010/main">
                 <a:solidFill>
                   <a:srgbClr val="FFFFFF"/>
                 </a:solidFill>
               </a14:hiddenFill>
             </a:ext>
             <a:ext uri="{91240B29-F687-4f45-9708-019B960494DF}">
-              <a14:hiddenLine xmlns:a14="http://schemas.microsoft.com/office/drawing/2010/main" xmlns="" w="9525">
+              <a14:hiddenLine xmlns="" xmlns:a14="http://schemas.microsoft.com/office/drawing/2010/main" w="9525">
                 <a:solidFill>
                   <a:srgbClr val="000000"/>
                 </a:solidFill>
@@ -6722,14 +6722,14 @@
           </a:ln>
           <a:extLst>
             <a:ext uri="{909E8E84-426E-40dd-AFC4-6F175D3DCCD1}">
-              <a14:hiddenFill xmlns:a14="http://schemas.microsoft.com/office/drawing/2010/main" xmlns="">
+              <a14:hiddenFill xmlns="" xmlns:a14="http://schemas.microsoft.com/office/drawing/2010/main">
                 <a:solidFill>
                   <a:srgbClr val="FFFFFF"/>
                 </a:solidFill>
               </a14:hiddenFill>
             </a:ext>
             <a:ext uri="{91240B29-F687-4f45-9708-019B960494DF}">
-              <a14:hiddenLine xmlns:a14="http://schemas.microsoft.com/office/drawing/2010/main" xmlns="" w="12700" cap="sq">
+              <a14:hiddenLine xmlns="" xmlns:a14="http://schemas.microsoft.com/office/drawing/2010/main" w="12700" cap="sq">
                 <a:solidFill>
                   <a:srgbClr val="000000"/>
                 </a:solidFill>
@@ -6886,7 +6886,7 @@
           </a:ln>
           <a:extLst>
             <a:ext uri="{91240B29-F687-4f45-9708-019B960494DF}">
-              <a14:hiddenLine xmlns:a14="http://schemas.microsoft.com/office/drawing/2010/main" xmlns="" w="12700" cap="sq">
+              <a14:hiddenLine xmlns="" xmlns:a14="http://schemas.microsoft.com/office/drawing/2010/main" w="12700" cap="sq">
                 <a:solidFill>
                   <a:srgbClr val="000000"/>
                 </a:solidFill>
@@ -7134,7 +7134,7 @@
           </a:ln>
           <a:extLst>
             <a:ext uri="{909E8E84-426E-40dd-AFC4-6F175D3DCCD1}">
-              <a14:hiddenFill xmlns:a14="http://schemas.microsoft.com/office/drawing/2010/main" xmlns="">
+              <a14:hiddenFill xmlns="" xmlns:a14="http://schemas.microsoft.com/office/drawing/2010/main">
                 <a:solidFill>
                   <a:srgbClr val="FFFFFF"/>
                 </a:solidFill>
@@ -7198,14 +7198,14 @@
           <a:ln/>
           <a:extLst>
             <a:ext uri="{909E8E84-426E-40dd-AFC4-6F175D3DCCD1}">
-              <a14:hiddenFill xmlns:a14="http://schemas.microsoft.com/office/drawing/2010/main" xmlns="">
+              <a14:hiddenFill xmlns="" xmlns:a14="http://schemas.microsoft.com/office/drawing/2010/main">
                 <a:solidFill>
                   <a:srgbClr val="FFFFFF"/>
                 </a:solidFill>
               </a14:hiddenFill>
             </a:ext>
             <a:ext uri="{91240B29-F687-4f45-9708-019B960494DF}">
-              <a14:hiddenLine xmlns:a14="http://schemas.microsoft.com/office/drawing/2010/main" xmlns="" w="9525">
+              <a14:hiddenLine xmlns="" xmlns:a14="http://schemas.microsoft.com/office/drawing/2010/main" w="9525">
                 <a:solidFill>
                   <a:srgbClr val="000000"/>
                 </a:solidFill>
@@ -7364,7 +7364,7 @@
           </a:ln>
           <a:extLst>
             <a:ext uri="{91240B29-F687-4f45-9708-019B960494DF}">
-              <a14:hiddenLine xmlns:a14="http://schemas.microsoft.com/office/drawing/2010/main" xmlns="" w="12700" cap="sq">
+              <a14:hiddenLine xmlns="" xmlns:a14="http://schemas.microsoft.com/office/drawing/2010/main" w="12700" cap="sq">
                 <a:solidFill>
                   <a:srgbClr val="000000"/>
                 </a:solidFill>
@@ -7559,14 +7559,14 @@
           </a:ln>
           <a:extLst>
             <a:ext uri="{909E8E84-426E-40dd-AFC4-6F175D3DCCD1}">
-              <a14:hiddenFill xmlns:a14="http://schemas.microsoft.com/office/drawing/2010/main" xmlns="">
+              <a14:hiddenFill xmlns="" xmlns:a14="http://schemas.microsoft.com/office/drawing/2010/main">
                 <a:solidFill>
                   <a:srgbClr val="FFFFFF"/>
                 </a:solidFill>
               </a14:hiddenFill>
             </a:ext>
             <a:ext uri="{91240B29-F687-4f45-9708-019B960494DF}">
-              <a14:hiddenLine xmlns:a14="http://schemas.microsoft.com/office/drawing/2010/main" xmlns="" w="12700" cap="sq">
+              <a14:hiddenLine xmlns="" xmlns:a14="http://schemas.microsoft.com/office/drawing/2010/main" w="12700" cap="sq">
                 <a:solidFill>
                   <a:srgbClr val="000000"/>
                 </a:solidFill>
@@ -7723,7 +7723,7 @@
           </a:ln>
           <a:extLst>
             <a:ext uri="{91240B29-F687-4f45-9708-019B960494DF}">
-              <a14:hiddenLine xmlns:a14="http://schemas.microsoft.com/office/drawing/2010/main" xmlns="" w="12700" cap="sq">
+              <a14:hiddenLine xmlns="" xmlns:a14="http://schemas.microsoft.com/office/drawing/2010/main" w="12700" cap="sq">
                 <a:solidFill>
                   <a:srgbClr val="000000"/>
                 </a:solidFill>
@@ -7934,14 +7934,14 @@
           </a:ln>
           <a:extLst>
             <a:ext uri="{909E8E84-426E-40dd-AFC4-6F175D3DCCD1}">
-              <a14:hiddenFill xmlns:a14="http://schemas.microsoft.com/office/drawing/2010/main" xmlns="">
+              <a14:hiddenFill xmlns="" xmlns:a14="http://schemas.microsoft.com/office/drawing/2010/main">
                 <a:solidFill>
                   <a:srgbClr val="FFFFFF"/>
                 </a:solidFill>
               </a14:hiddenFill>
             </a:ext>
             <a:ext uri="{91240B29-F687-4f45-9708-019B960494DF}">
-              <a14:hiddenLine xmlns:a14="http://schemas.microsoft.com/office/drawing/2010/main" xmlns="" w="12700" cap="sq">
+              <a14:hiddenLine xmlns="" xmlns:a14="http://schemas.microsoft.com/office/drawing/2010/main" w="12700" cap="sq">
                 <a:solidFill>
                   <a:srgbClr val="000000"/>
                 </a:solidFill>
@@ -8114,14 +8114,14 @@
           <a:ln/>
           <a:extLst>
             <a:ext uri="{909E8E84-426E-40dd-AFC4-6F175D3DCCD1}">
-              <a14:hiddenFill xmlns:a14="http://schemas.microsoft.com/office/drawing/2010/main" xmlns="">
+              <a14:hiddenFill xmlns="" xmlns:a14="http://schemas.microsoft.com/office/drawing/2010/main">
                 <a:solidFill>
                   <a:srgbClr val="FFFFFF"/>
                 </a:solidFill>
               </a14:hiddenFill>
             </a:ext>
             <a:ext uri="{91240B29-F687-4f45-9708-019B960494DF}">
-              <a14:hiddenLine xmlns:a14="http://schemas.microsoft.com/office/drawing/2010/main" xmlns="" w="9525">
+              <a14:hiddenLine xmlns="" xmlns:a14="http://schemas.microsoft.com/office/drawing/2010/main" w="9525">
                 <a:solidFill>
                   <a:srgbClr val="000000"/>
                 </a:solidFill>
@@ -8302,14 +8302,14 @@
           </a:ln>
           <a:extLst>
             <a:ext uri="{909E8E84-426E-40dd-AFC4-6F175D3DCCD1}">
-              <a14:hiddenFill xmlns:a14="http://schemas.microsoft.com/office/drawing/2010/main" xmlns="">
+              <a14:hiddenFill xmlns="" xmlns:a14="http://schemas.microsoft.com/office/drawing/2010/main">
                 <a:solidFill>
                   <a:srgbClr val="FFFFFF"/>
                 </a:solidFill>
               </a14:hiddenFill>
             </a:ext>
             <a:ext uri="{91240B29-F687-4f45-9708-019B960494DF}">
-              <a14:hiddenLine xmlns:a14="http://schemas.microsoft.com/office/drawing/2010/main" xmlns="" w="12700" cap="sq">
+              <a14:hiddenLine xmlns="" xmlns:a14="http://schemas.microsoft.com/office/drawing/2010/main" w="12700" cap="sq">
                 <a:solidFill>
                   <a:srgbClr val="000000"/>
                 </a:solidFill>
@@ -8518,7 +8518,7 @@
           </a:ln>
           <a:extLst>
             <a:ext uri="{91240B29-F687-4f45-9708-019B960494DF}">
-              <a14:hiddenLine xmlns:a14="http://schemas.microsoft.com/office/drawing/2010/main" xmlns="" w="12700" cap="sq">
+              <a14:hiddenLine xmlns="" xmlns:a14="http://schemas.microsoft.com/office/drawing/2010/main" w="12700" cap="sq">
                 <a:solidFill>
                   <a:srgbClr val="000000"/>
                 </a:solidFill>
@@ -8671,14 +8671,14 @@
           </a:ln>
           <a:extLst>
             <a:ext uri="{909E8E84-426E-40dd-AFC4-6F175D3DCCD1}">
-              <a14:hiddenFill xmlns:a14="http://schemas.microsoft.com/office/drawing/2010/main" xmlns="">
+              <a14:hiddenFill xmlns="" xmlns:a14="http://schemas.microsoft.com/office/drawing/2010/main">
                 <a:solidFill>
                   <a:srgbClr val="FFFFFF"/>
                 </a:solidFill>
               </a14:hiddenFill>
             </a:ext>
             <a:ext uri="{91240B29-F687-4f45-9708-019B960494DF}">
-              <a14:hiddenLine xmlns:a14="http://schemas.microsoft.com/office/drawing/2010/main" xmlns="" w="12700" cap="sq">
+              <a14:hiddenLine xmlns="" xmlns:a14="http://schemas.microsoft.com/office/drawing/2010/main" w="12700" cap="sq">
                 <a:solidFill>
                   <a:srgbClr val="000000"/>
                 </a:solidFill>
@@ -8903,14 +8903,14 @@
           <a:ln/>
           <a:extLst>
             <a:ext uri="{909E8E84-426E-40dd-AFC4-6F175D3DCCD1}">
-              <a14:hiddenFill xmlns:a14="http://schemas.microsoft.com/office/drawing/2010/main" xmlns="">
+              <a14:hiddenFill xmlns="" xmlns:a14="http://schemas.microsoft.com/office/drawing/2010/main">
                 <a:solidFill>
                   <a:srgbClr val="FFFFFF"/>
                 </a:solidFill>
               </a14:hiddenFill>
             </a:ext>
             <a:ext uri="{91240B29-F687-4f45-9708-019B960494DF}">
-              <a14:hiddenLine xmlns:a14="http://schemas.microsoft.com/office/drawing/2010/main" xmlns="" w="9525">
+              <a14:hiddenLine xmlns="" xmlns:a14="http://schemas.microsoft.com/office/drawing/2010/main" w="9525">
                 <a:solidFill>
                   <a:srgbClr val="000000"/>
                 </a:solidFill>
@@ -9067,14 +9067,14 @@
           </a:ln>
           <a:extLst>
             <a:ext uri="{909E8E84-426E-40dd-AFC4-6F175D3DCCD1}">
-              <a14:hiddenFill xmlns:a14="http://schemas.microsoft.com/office/drawing/2010/main" xmlns="">
+              <a14:hiddenFill xmlns="" xmlns:a14="http://schemas.microsoft.com/office/drawing/2010/main">
                 <a:solidFill>
                   <a:srgbClr val="FFFFFF"/>
                 </a:solidFill>
               </a14:hiddenFill>
             </a:ext>
             <a:ext uri="{91240B29-F687-4f45-9708-019B960494DF}">
-              <a14:hiddenLine xmlns:a14="http://schemas.microsoft.com/office/drawing/2010/main" xmlns="" w="9525">
+              <a14:hiddenLine xmlns="" xmlns:a14="http://schemas.microsoft.com/office/drawing/2010/main" w="9525">
                 <a:solidFill>
                   <a:srgbClr val="000000"/>
                 </a:solidFill>
@@ -9276,14 +9276,14 @@
           <a:ln/>
           <a:extLst>
             <a:ext uri="{909E8E84-426E-40dd-AFC4-6F175D3DCCD1}">
-              <a14:hiddenFill xmlns:a14="http://schemas.microsoft.com/office/drawing/2010/main" xmlns="">
+              <a14:hiddenFill xmlns="" xmlns:a14="http://schemas.microsoft.com/office/drawing/2010/main">
                 <a:solidFill>
                   <a:srgbClr val="FFFFFF"/>
                 </a:solidFill>
               </a14:hiddenFill>
             </a:ext>
             <a:ext uri="{91240B29-F687-4f45-9708-019B960494DF}">
-              <a14:hiddenLine xmlns:a14="http://schemas.microsoft.com/office/drawing/2010/main" xmlns="" w="9525">
+              <a14:hiddenLine xmlns="" xmlns:a14="http://schemas.microsoft.com/office/drawing/2010/main" w="9525">
                 <a:solidFill>
                   <a:srgbClr val="000000"/>
                 </a:solidFill>
@@ -9442,7 +9442,7 @@
           </a:ln>
           <a:extLst>
             <a:ext uri="{91240B29-F687-4f45-9708-019B960494DF}">
-              <a14:hiddenLine xmlns:a14="http://schemas.microsoft.com/office/drawing/2010/main" xmlns="" w="12700" cap="sq">
+              <a14:hiddenLine xmlns="" xmlns:a14="http://schemas.microsoft.com/office/drawing/2010/main" w="12700" cap="sq">
                 <a:solidFill>
                   <a:srgbClr val="000000"/>
                 </a:solidFill>
@@ -9639,7 +9639,7 @@
           </a:ln>
           <a:extLst>
             <a:ext uri="{91240B29-F687-4f45-9708-019B960494DF}">
-              <a14:hiddenLine xmlns:a14="http://schemas.microsoft.com/office/drawing/2010/main" xmlns="" w="12700" cap="sq">
+              <a14:hiddenLine xmlns="" xmlns:a14="http://schemas.microsoft.com/office/drawing/2010/main" w="12700" cap="sq">
                 <a:solidFill>
                   <a:srgbClr val="000000"/>
                 </a:solidFill>
@@ -9792,14 +9792,14 @@
           </a:ln>
           <a:extLst>
             <a:ext uri="{909E8E84-426E-40dd-AFC4-6F175D3DCCD1}">
-              <a14:hiddenFill xmlns:a14="http://schemas.microsoft.com/office/drawing/2010/main" xmlns="">
+              <a14:hiddenFill xmlns="" xmlns:a14="http://schemas.microsoft.com/office/drawing/2010/main">
                 <a:solidFill>
                   <a:srgbClr val="FFFFFF"/>
                 </a:solidFill>
               </a14:hiddenFill>
             </a:ext>
             <a:ext uri="{91240B29-F687-4f45-9708-019B960494DF}">
-              <a14:hiddenLine xmlns:a14="http://schemas.microsoft.com/office/drawing/2010/main" xmlns="" w="12700" cap="sq">
+              <a14:hiddenLine xmlns="" xmlns:a14="http://schemas.microsoft.com/office/drawing/2010/main" w="12700" cap="sq">
                 <a:solidFill>
                   <a:srgbClr val="000000"/>
                 </a:solidFill>
@@ -9954,14 +9954,14 @@
           </a:ln>
           <a:extLst>
             <a:ext uri="{909E8E84-426E-40dd-AFC4-6F175D3DCCD1}">
-              <a14:hiddenFill xmlns:a14="http://schemas.microsoft.com/office/drawing/2010/main" xmlns="">
+              <a14:hiddenFill xmlns="" xmlns:a14="http://schemas.microsoft.com/office/drawing/2010/main">
                 <a:solidFill>
                   <a:srgbClr val="FFFFFF"/>
                 </a:solidFill>
               </a14:hiddenFill>
             </a:ext>
             <a:ext uri="{91240B29-F687-4f45-9708-019B960494DF}">
-              <a14:hiddenLine xmlns:a14="http://schemas.microsoft.com/office/drawing/2010/main" xmlns="" w="12700" cap="sq">
+              <a14:hiddenLine xmlns="" xmlns:a14="http://schemas.microsoft.com/office/drawing/2010/main" w="12700" cap="sq">
                 <a:solidFill>
                   <a:srgbClr val="000000"/>
                 </a:solidFill>
@@ -10164,14 +10164,14 @@
           <a:ln/>
           <a:extLst>
             <a:ext uri="{909E8E84-426E-40dd-AFC4-6F175D3DCCD1}">
-              <a14:hiddenFill xmlns:a14="http://schemas.microsoft.com/office/drawing/2010/main" xmlns="">
+              <a14:hiddenFill xmlns="" xmlns:a14="http://schemas.microsoft.com/office/drawing/2010/main">
                 <a:solidFill>
                   <a:srgbClr val="FFFFFF"/>
                 </a:solidFill>
               </a14:hiddenFill>
             </a:ext>
             <a:ext uri="{91240B29-F687-4f45-9708-019B960494DF}">
-              <a14:hiddenLine xmlns:a14="http://schemas.microsoft.com/office/drawing/2010/main" xmlns="" w="9525">
+              <a14:hiddenLine xmlns="" xmlns:a14="http://schemas.microsoft.com/office/drawing/2010/main" w="9525">
                 <a:solidFill>
                   <a:srgbClr val="000000"/>
                 </a:solidFill>
@@ -10330,7 +10330,7 @@
           </a:ln>
           <a:extLst>
             <a:ext uri="{91240B29-F687-4f45-9708-019B960494DF}">
-              <a14:hiddenLine xmlns:a14="http://schemas.microsoft.com/office/drawing/2010/main" xmlns="" w="12700" cap="sq">
+              <a14:hiddenLine xmlns="" xmlns:a14="http://schemas.microsoft.com/office/drawing/2010/main" w="12700" cap="sq">
                 <a:solidFill>
                   <a:srgbClr val="000000"/>
                 </a:solidFill>
@@ -10559,14 +10559,14 @@
           </a:ln>
           <a:extLst>
             <a:ext uri="{909E8E84-426E-40dd-AFC4-6F175D3DCCD1}">
-              <a14:hiddenFill xmlns:a14="http://schemas.microsoft.com/office/drawing/2010/main" xmlns="">
+              <a14:hiddenFill xmlns="" xmlns:a14="http://schemas.microsoft.com/office/drawing/2010/main">
                 <a:solidFill>
                   <a:srgbClr val="FFFFFF"/>
                 </a:solidFill>
               </a14:hiddenFill>
             </a:ext>
             <a:ext uri="{91240B29-F687-4f45-9708-019B960494DF}">
-              <a14:hiddenLine xmlns:a14="http://schemas.microsoft.com/office/drawing/2010/main" xmlns="" w="12700" cap="sq">
+              <a14:hiddenLine xmlns="" xmlns:a14="http://schemas.microsoft.com/office/drawing/2010/main" w="12700" cap="sq">
                 <a:solidFill>
                   <a:srgbClr val="000000"/>
                 </a:solidFill>
@@ -10723,7 +10723,7 @@
           </a:ln>
           <a:extLst>
             <a:ext uri="{91240B29-F687-4f45-9708-019B960494DF}">
-              <a14:hiddenLine xmlns:a14="http://schemas.microsoft.com/office/drawing/2010/main" xmlns="" w="12700" cap="sq">
+              <a14:hiddenLine xmlns="" xmlns:a14="http://schemas.microsoft.com/office/drawing/2010/main" w="12700" cap="sq">
                 <a:solidFill>
                   <a:srgbClr val="000000"/>
                 </a:solidFill>
@@ -10896,14 +10896,14 @@
           </a:ln>
           <a:extLst>
             <a:ext uri="{909E8E84-426E-40dd-AFC4-6F175D3DCCD1}">
-              <a14:hiddenFill xmlns:a14="http://schemas.microsoft.com/office/drawing/2010/main" xmlns="">
+              <a14:hiddenFill xmlns="" xmlns:a14="http://schemas.microsoft.com/office/drawing/2010/main">
                 <a:solidFill>
                   <a:srgbClr val="FFFFFF"/>
                 </a:solidFill>
               </a14:hiddenFill>
             </a:ext>
             <a:ext uri="{91240B29-F687-4f45-9708-019B960494DF}">
-              <a14:hiddenLine xmlns:a14="http://schemas.microsoft.com/office/drawing/2010/main" xmlns="" w="12700" cap="sq">
+              <a14:hiddenLine xmlns="" xmlns:a14="http://schemas.microsoft.com/office/drawing/2010/main" w="12700" cap="sq">
                 <a:solidFill>
                   <a:srgbClr val="000000"/>
                 </a:solidFill>
@@ -11076,14 +11076,14 @@
           <a:ln/>
           <a:extLst>
             <a:ext uri="{909E8E84-426E-40dd-AFC4-6F175D3DCCD1}">
-              <a14:hiddenFill xmlns:a14="http://schemas.microsoft.com/office/drawing/2010/main" xmlns="">
+              <a14:hiddenFill xmlns="" xmlns:a14="http://schemas.microsoft.com/office/drawing/2010/main">
                 <a:solidFill>
                   <a:srgbClr val="FFFFFF"/>
                 </a:solidFill>
               </a14:hiddenFill>
             </a:ext>
             <a:ext uri="{91240B29-F687-4f45-9708-019B960494DF}">
-              <a14:hiddenLine xmlns:a14="http://schemas.microsoft.com/office/drawing/2010/main" xmlns="" w="9525">
+              <a14:hiddenLine xmlns="" xmlns:a14="http://schemas.microsoft.com/office/drawing/2010/main" w="9525">
                 <a:solidFill>
                   <a:srgbClr val="000000"/>
                 </a:solidFill>
@@ -11242,7 +11242,7 @@
           </a:ln>
           <a:extLst>
             <a:ext uri="{91240B29-F687-4f45-9708-019B960494DF}">
-              <a14:hiddenLine xmlns:a14="http://schemas.microsoft.com/office/drawing/2010/main" xmlns="" w="12700" cap="sq">
+              <a14:hiddenLine xmlns="" xmlns:a14="http://schemas.microsoft.com/office/drawing/2010/main" w="12700" cap="sq">
                 <a:solidFill>
                   <a:srgbClr val="000000"/>
                 </a:solidFill>
@@ -11484,14 +11484,14 @@
           </a:ln>
           <a:extLst>
             <a:ext uri="{909E8E84-426E-40dd-AFC4-6F175D3DCCD1}">
-              <a14:hiddenFill xmlns:a14="http://schemas.microsoft.com/office/drawing/2010/main" xmlns="">
+              <a14:hiddenFill xmlns="" xmlns:a14="http://schemas.microsoft.com/office/drawing/2010/main">
                 <a:solidFill>
                   <a:srgbClr val="FFFFFF"/>
                 </a:solidFill>
               </a14:hiddenFill>
             </a:ext>
             <a:ext uri="{91240B29-F687-4f45-9708-019B960494DF}">
-              <a14:hiddenLine xmlns:a14="http://schemas.microsoft.com/office/drawing/2010/main" xmlns="" w="12700" cap="sq">
+              <a14:hiddenLine xmlns="" xmlns:a14="http://schemas.microsoft.com/office/drawing/2010/main" w="12700" cap="sq">
                 <a:solidFill>
                   <a:srgbClr val="000000"/>
                 </a:solidFill>
@@ -11648,7 +11648,7 @@
           </a:ln>
           <a:extLst>
             <a:ext uri="{91240B29-F687-4f45-9708-019B960494DF}">
-              <a14:hiddenLine xmlns:a14="http://schemas.microsoft.com/office/drawing/2010/main" xmlns="" w="12700" cap="sq">
+              <a14:hiddenLine xmlns="" xmlns:a14="http://schemas.microsoft.com/office/drawing/2010/main" w="12700" cap="sq">
                 <a:solidFill>
                   <a:srgbClr val="000000"/>
                 </a:solidFill>
@@ -11857,14 +11857,14 @@
           </a:ln>
           <a:extLst>
             <a:ext uri="{909E8E84-426E-40dd-AFC4-6F175D3DCCD1}">
-              <a14:hiddenFill xmlns:a14="http://schemas.microsoft.com/office/drawing/2010/main" xmlns="">
+              <a14:hiddenFill xmlns="" xmlns:a14="http://schemas.microsoft.com/office/drawing/2010/main">
                 <a:solidFill>
                   <a:srgbClr val="FFFFFF"/>
                 </a:solidFill>
               </a14:hiddenFill>
             </a:ext>
             <a:ext uri="{91240B29-F687-4f45-9708-019B960494DF}">
-              <a14:hiddenLine xmlns:a14="http://schemas.microsoft.com/office/drawing/2010/main" xmlns="" w="12700" cap="sq">
+              <a14:hiddenLine xmlns="" xmlns:a14="http://schemas.microsoft.com/office/drawing/2010/main" w="12700" cap="sq">
                 <a:solidFill>
                   <a:srgbClr val="000000"/>
                 </a:solidFill>
@@ -12037,14 +12037,14 @@
           <a:ln/>
           <a:extLst>
             <a:ext uri="{909E8E84-426E-40dd-AFC4-6F175D3DCCD1}">
-              <a14:hiddenFill xmlns:a14="http://schemas.microsoft.com/office/drawing/2010/main" xmlns="">
+              <a14:hiddenFill xmlns="" xmlns:a14="http://schemas.microsoft.com/office/drawing/2010/main">
                 <a:solidFill>
                   <a:srgbClr val="FFFFFF"/>
                 </a:solidFill>
               </a14:hiddenFill>
             </a:ext>
             <a:ext uri="{91240B29-F687-4f45-9708-019B960494DF}">
-              <a14:hiddenLine xmlns:a14="http://schemas.microsoft.com/office/drawing/2010/main" xmlns="" w="9525">
+              <a14:hiddenLine xmlns="" xmlns:a14="http://schemas.microsoft.com/office/drawing/2010/main" w="9525">
                 <a:solidFill>
                   <a:srgbClr val="000000"/>
                 </a:solidFill>
@@ -12225,14 +12225,14 @@
           </a:ln>
           <a:extLst>
             <a:ext uri="{909E8E84-426E-40dd-AFC4-6F175D3DCCD1}">
-              <a14:hiddenFill xmlns:a14="http://schemas.microsoft.com/office/drawing/2010/main" xmlns="">
+              <a14:hiddenFill xmlns="" xmlns:a14="http://schemas.microsoft.com/office/drawing/2010/main">
                 <a:solidFill>
                   <a:srgbClr val="FFFFFF"/>
                 </a:solidFill>
               </a14:hiddenFill>
             </a:ext>
             <a:ext uri="{91240B29-F687-4f45-9708-019B960494DF}">
-              <a14:hiddenLine xmlns:a14="http://schemas.microsoft.com/office/drawing/2010/main" xmlns="" w="12700" cap="sq">
+              <a14:hiddenLine xmlns="" xmlns:a14="http://schemas.microsoft.com/office/drawing/2010/main" w="12700" cap="sq">
                 <a:solidFill>
                   <a:srgbClr val="000000"/>
                 </a:solidFill>
@@ -12435,7 +12435,7 @@
           </a:ln>
           <a:extLst>
             <a:ext uri="{91240B29-F687-4f45-9708-019B960494DF}">
-              <a14:hiddenLine xmlns:a14="http://schemas.microsoft.com/office/drawing/2010/main" xmlns="" w="12700" cap="sq">
+              <a14:hiddenLine xmlns="" xmlns:a14="http://schemas.microsoft.com/office/drawing/2010/main" w="12700" cap="sq">
                 <a:solidFill>
                   <a:srgbClr val="000000"/>
                 </a:solidFill>
@@ -12588,14 +12588,14 @@
           </a:ln>
           <a:extLst>
             <a:ext uri="{909E8E84-426E-40dd-AFC4-6F175D3DCCD1}">
-              <a14:hiddenFill xmlns:a14="http://schemas.microsoft.com/office/drawing/2010/main" xmlns="">
+              <a14:hiddenFill xmlns="" xmlns:a14="http://schemas.microsoft.com/office/drawing/2010/main">
                 <a:solidFill>
                   <a:srgbClr val="FFFFFF"/>
                 </a:solidFill>
               </a14:hiddenFill>
             </a:ext>
             <a:ext uri="{91240B29-F687-4f45-9708-019B960494DF}">
-              <a14:hiddenLine xmlns:a14="http://schemas.microsoft.com/office/drawing/2010/main" xmlns="" w="12700" cap="sq">
+              <a14:hiddenLine xmlns="" xmlns:a14="http://schemas.microsoft.com/office/drawing/2010/main" w="12700" cap="sq">
                 <a:solidFill>
                   <a:srgbClr val="000000"/>
                 </a:solidFill>
@@ -12782,7 +12782,7 @@
           </a:ln>
           <a:extLst>
             <a:ext uri="{909E8E84-426E-40dd-AFC4-6F175D3DCCD1}">
-              <a14:hiddenFill xmlns:a14="http://schemas.microsoft.com/office/drawing/2010/main" xmlns="">
+              <a14:hiddenFill xmlns="" xmlns:a14="http://schemas.microsoft.com/office/drawing/2010/main">
                 <a:solidFill>
                   <a:srgbClr val="FFFFFF"/>
                 </a:solidFill>
@@ -12846,14 +12846,14 @@
           <a:ln/>
           <a:extLst>
             <a:ext uri="{909E8E84-426E-40dd-AFC4-6F175D3DCCD1}">
-              <a14:hiddenFill xmlns:a14="http://schemas.microsoft.com/office/drawing/2010/main" xmlns="">
+              <a14:hiddenFill xmlns="" xmlns:a14="http://schemas.microsoft.com/office/drawing/2010/main">
                 <a:solidFill>
                   <a:srgbClr val="FFFFFF"/>
                 </a:solidFill>
               </a14:hiddenFill>
             </a:ext>
             <a:ext uri="{91240B29-F687-4f45-9708-019B960494DF}">
-              <a14:hiddenLine xmlns:a14="http://schemas.microsoft.com/office/drawing/2010/main" xmlns="" w="9525">
+              <a14:hiddenLine xmlns="" xmlns:a14="http://schemas.microsoft.com/office/drawing/2010/main" w="9525">
                 <a:solidFill>
                   <a:srgbClr val="000000"/>
                 </a:solidFill>
@@ -13034,14 +13034,14 @@
           </a:ln>
           <a:extLst>
             <a:ext uri="{909E8E84-426E-40dd-AFC4-6F175D3DCCD1}">
-              <a14:hiddenFill xmlns:a14="http://schemas.microsoft.com/office/drawing/2010/main" xmlns="">
+              <a14:hiddenFill xmlns="" xmlns:a14="http://schemas.microsoft.com/office/drawing/2010/main">
                 <a:solidFill>
                   <a:srgbClr val="FFFFFF"/>
                 </a:solidFill>
               </a14:hiddenFill>
             </a:ext>
             <a:ext uri="{91240B29-F687-4f45-9708-019B960494DF}">
-              <a14:hiddenLine xmlns:a14="http://schemas.microsoft.com/office/drawing/2010/main" xmlns="" w="9525">
+              <a14:hiddenLine xmlns="" xmlns:a14="http://schemas.microsoft.com/office/drawing/2010/main" w="9525">
                 <a:solidFill>
                   <a:srgbClr val="000000"/>
                 </a:solidFill>
@@ -13217,14 +13217,14 @@
           <a:ln/>
           <a:extLst>
             <a:ext uri="{909E8E84-426E-40dd-AFC4-6F175D3DCCD1}">
-              <a14:hiddenFill xmlns:a14="http://schemas.microsoft.com/office/drawing/2010/main" xmlns="">
+              <a14:hiddenFill xmlns="" xmlns:a14="http://schemas.microsoft.com/office/drawing/2010/main">
                 <a:solidFill>
                   <a:srgbClr val="FFFFFF"/>
                 </a:solidFill>
               </a14:hiddenFill>
             </a:ext>
             <a:ext uri="{91240B29-F687-4f45-9708-019B960494DF}">
-              <a14:hiddenLine xmlns:a14="http://schemas.microsoft.com/office/drawing/2010/main" xmlns="" w="9525">
+              <a14:hiddenLine xmlns="" xmlns:a14="http://schemas.microsoft.com/office/drawing/2010/main" w="9525">
                 <a:solidFill>
                   <a:srgbClr val="000000"/>
                 </a:solidFill>
@@ -13381,14 +13381,14 @@
           </a:ln>
           <a:extLst>
             <a:ext uri="{909E8E84-426E-40dd-AFC4-6F175D3DCCD1}">
-              <a14:hiddenFill xmlns:a14="http://schemas.microsoft.com/office/drawing/2010/main" xmlns="">
+              <a14:hiddenFill xmlns="" xmlns:a14="http://schemas.microsoft.com/office/drawing/2010/main">
                 <a:solidFill>
                   <a:srgbClr val="FFFFFF"/>
                 </a:solidFill>
               </a14:hiddenFill>
             </a:ext>
             <a:ext uri="{91240B29-F687-4f45-9708-019B960494DF}">
-              <a14:hiddenLine xmlns:a14="http://schemas.microsoft.com/office/drawing/2010/main" xmlns="" w="9525">
+              <a14:hiddenLine xmlns="" xmlns:a14="http://schemas.microsoft.com/office/drawing/2010/main" w="9525">
                 <a:solidFill>
                   <a:srgbClr val="000000"/>
                 </a:solidFill>
@@ -13456,14 +13456,14 @@
           </a:ln>
           <a:extLst>
             <a:ext uri="{909E8E84-426E-40dd-AFC4-6F175D3DCCD1}">
-              <a14:hiddenFill xmlns:a14="http://schemas.microsoft.com/office/drawing/2010/main" xmlns="">
+              <a14:hiddenFill xmlns="" xmlns:a14="http://schemas.microsoft.com/office/drawing/2010/main">
                 <a:solidFill>
                   <a:srgbClr val="FFFFFF"/>
                 </a:solidFill>
               </a14:hiddenFill>
             </a:ext>
             <a:ext uri="{91240B29-F687-4f45-9708-019B960494DF}">
-              <a14:hiddenLine xmlns:a14="http://schemas.microsoft.com/office/drawing/2010/main" xmlns="" w="9525">
+              <a14:hiddenLine xmlns="" xmlns:a14="http://schemas.microsoft.com/office/drawing/2010/main" w="9525">
                 <a:solidFill>
                   <a:srgbClr val="000000"/>
                 </a:solidFill>
@@ -13575,7 +13575,7 @@
             </a:ln>
             <a:extLst>
               <a:ext uri="{91240B29-F687-4f45-9708-019B960494DF}">
-                <a14:hiddenLine xmlns:a14="http://schemas.microsoft.com/office/drawing/2010/main" xmlns="" w="12700" cap="sq">
+                <a14:hiddenLine xmlns="" xmlns:a14="http://schemas.microsoft.com/office/drawing/2010/main" w="12700" cap="sq">
                   <a:solidFill>
                     <a:srgbClr val="000000"/>
                   </a:solidFill>
@@ -13740,7 +13740,7 @@
             </a:ln>
             <a:extLst>
               <a:ext uri="{91240B29-F687-4f45-9708-019B960494DF}">
-                <a14:hiddenLine xmlns:a14="http://schemas.microsoft.com/office/drawing/2010/main" xmlns="" w="12700" cap="sq">
+                <a14:hiddenLine xmlns="" xmlns:a14="http://schemas.microsoft.com/office/drawing/2010/main" w="12700" cap="sq">
                   <a:solidFill>
                     <a:srgbClr val="000000"/>
                   </a:solidFill>
@@ -13905,7 +13905,7 @@
             </a:ln>
             <a:extLst>
               <a:ext uri="{91240B29-F687-4f45-9708-019B960494DF}">
-                <a14:hiddenLine xmlns:a14="http://schemas.microsoft.com/office/drawing/2010/main" xmlns="" w="12700" cap="sq">
+                <a14:hiddenLine xmlns="" xmlns:a14="http://schemas.microsoft.com/office/drawing/2010/main" w="12700" cap="sq">
                   <a:solidFill>
                     <a:srgbClr val="000000"/>
                   </a:solidFill>
@@ -14070,7 +14070,7 @@
             </a:ln>
             <a:extLst>
               <a:ext uri="{91240B29-F687-4f45-9708-019B960494DF}">
-                <a14:hiddenLine xmlns:a14="http://schemas.microsoft.com/office/drawing/2010/main" xmlns="" w="12700" cap="sq">
+                <a14:hiddenLine xmlns="" xmlns:a14="http://schemas.microsoft.com/office/drawing/2010/main" w="12700" cap="sq">
                   <a:solidFill>
                     <a:srgbClr val="000000"/>
                   </a:solidFill>
@@ -14223,14 +14223,14 @@
             </a:ln>
             <a:extLst>
               <a:ext uri="{909E8E84-426E-40dd-AFC4-6F175D3DCCD1}">
-                <a14:hiddenFill xmlns:a14="http://schemas.microsoft.com/office/drawing/2010/main" xmlns="">
+                <a14:hiddenFill xmlns="" xmlns:a14="http://schemas.microsoft.com/office/drawing/2010/main">
                   <a:solidFill>
                     <a:srgbClr val="FFFFFF"/>
                   </a:solidFill>
                 </a14:hiddenFill>
               </a:ext>
               <a:ext uri="{91240B29-F687-4f45-9708-019B960494DF}">
-                <a14:hiddenLine xmlns:a14="http://schemas.microsoft.com/office/drawing/2010/main" xmlns="" w="12700" cap="sq">
+                <a14:hiddenLine xmlns="" xmlns:a14="http://schemas.microsoft.com/office/drawing/2010/main" w="12700" cap="sq">
                   <a:solidFill>
                     <a:srgbClr val="000000"/>
                   </a:solidFill>
@@ -14385,14 +14385,14 @@
             </a:ln>
             <a:extLst>
               <a:ext uri="{909E8E84-426E-40dd-AFC4-6F175D3DCCD1}">
-                <a14:hiddenFill xmlns:a14="http://schemas.microsoft.com/office/drawing/2010/main" xmlns="">
+                <a14:hiddenFill xmlns="" xmlns:a14="http://schemas.microsoft.com/office/drawing/2010/main">
                   <a:solidFill>
                     <a:srgbClr val="FFFFFF"/>
                   </a:solidFill>
                 </a14:hiddenFill>
               </a:ext>
               <a:ext uri="{91240B29-F687-4f45-9708-019B960494DF}">
-                <a14:hiddenLine xmlns:a14="http://schemas.microsoft.com/office/drawing/2010/main" xmlns="" w="12700" cap="sq">
+                <a14:hiddenLine xmlns="" xmlns:a14="http://schemas.microsoft.com/office/drawing/2010/main" w="12700" cap="sq">
                   <a:solidFill>
                     <a:srgbClr val="000000"/>
                   </a:solidFill>
@@ -14566,14 +14566,14 @@
           <a:ln/>
           <a:extLst>
             <a:ext uri="{909E8E84-426E-40dd-AFC4-6F175D3DCCD1}">
-              <a14:hiddenFill xmlns:a14="http://schemas.microsoft.com/office/drawing/2010/main" xmlns="">
+              <a14:hiddenFill xmlns="" xmlns:a14="http://schemas.microsoft.com/office/drawing/2010/main">
                 <a:solidFill>
                   <a:srgbClr val="FFFFFF"/>
                 </a:solidFill>
               </a14:hiddenFill>
             </a:ext>
             <a:ext uri="{91240B29-F687-4f45-9708-019B960494DF}">
-              <a14:hiddenLine xmlns:a14="http://schemas.microsoft.com/office/drawing/2010/main" xmlns="" w="9525">
+              <a14:hiddenLine xmlns="" xmlns:a14="http://schemas.microsoft.com/office/drawing/2010/main" w="9525">
                 <a:solidFill>
                   <a:srgbClr val="000000"/>
                 </a:solidFill>
@@ -14759,14 +14759,14 @@
           </a:ln>
           <a:extLst>
             <a:ext uri="{909E8E84-426E-40dd-AFC4-6F175D3DCCD1}">
-              <a14:hiddenFill xmlns:a14="http://schemas.microsoft.com/office/drawing/2010/main" xmlns="">
+              <a14:hiddenFill xmlns="" xmlns:a14="http://schemas.microsoft.com/office/drawing/2010/main">
                 <a:solidFill>
                   <a:srgbClr val="FFFFFF"/>
                 </a:solidFill>
               </a14:hiddenFill>
             </a:ext>
             <a:ext uri="{91240B29-F687-4f45-9708-019B960494DF}">
-              <a14:hiddenLine xmlns:a14="http://schemas.microsoft.com/office/drawing/2010/main" xmlns="" w="12700" cap="sq">
+              <a14:hiddenLine xmlns="" xmlns:a14="http://schemas.microsoft.com/office/drawing/2010/main" w="12700" cap="sq">
                 <a:solidFill>
                   <a:srgbClr val="000000"/>
                 </a:solidFill>
@@ -14923,7 +14923,7 @@
           </a:ln>
           <a:extLst>
             <a:ext uri="{91240B29-F687-4f45-9708-019B960494DF}">
-              <a14:hiddenLine xmlns:a14="http://schemas.microsoft.com/office/drawing/2010/main" xmlns="" w="12700" cap="sq">
+              <a14:hiddenLine xmlns="" xmlns:a14="http://schemas.microsoft.com/office/drawing/2010/main" w="12700" cap="sq">
                 <a:solidFill>
                   <a:srgbClr val="000000"/>
                 </a:solidFill>
@@ -16322,14 +16322,14 @@
           <a:ln/>
           <a:extLst>
             <a:ext uri="{909E8E84-426E-40dd-AFC4-6F175D3DCCD1}">
-              <a14:hiddenFill xmlns:a14="http://schemas.microsoft.com/office/drawing/2010/main" xmlns="">
+              <a14:hiddenFill xmlns="" xmlns:a14="http://schemas.microsoft.com/office/drawing/2010/main">
                 <a:solidFill>
                   <a:srgbClr val="FFFFFF"/>
                 </a:solidFill>
               </a14:hiddenFill>
             </a:ext>
             <a:ext uri="{91240B29-F687-4f45-9708-019B960494DF}">
-              <a14:hiddenLine xmlns:a14="http://schemas.microsoft.com/office/drawing/2010/main" xmlns="" w="9525">
+              <a14:hiddenLine xmlns="" xmlns:a14="http://schemas.microsoft.com/office/drawing/2010/main" w="9525">
                 <a:solidFill>
                   <a:srgbClr val="000000"/>
                 </a:solidFill>
@@ -16510,14 +16510,14 @@
           </a:ln>
           <a:extLst>
             <a:ext uri="{909E8E84-426E-40dd-AFC4-6F175D3DCCD1}">
-              <a14:hiddenFill xmlns:a14="http://schemas.microsoft.com/office/drawing/2010/main" xmlns="">
+              <a14:hiddenFill xmlns="" xmlns:a14="http://schemas.microsoft.com/office/drawing/2010/main">
                 <a:solidFill>
                   <a:srgbClr val="FFFFFF"/>
                 </a:solidFill>
               </a14:hiddenFill>
             </a:ext>
             <a:ext uri="{91240B29-F687-4f45-9708-019B960494DF}">
-              <a14:hiddenLine xmlns:a14="http://schemas.microsoft.com/office/drawing/2010/main" xmlns="" w="12700" cap="sq">
+              <a14:hiddenLine xmlns="" xmlns:a14="http://schemas.microsoft.com/office/drawing/2010/main" w="12700" cap="sq">
                 <a:solidFill>
                   <a:srgbClr val="000000"/>
                 </a:solidFill>
@@ -16720,7 +16720,7 @@
           </a:ln>
           <a:extLst>
             <a:ext uri="{91240B29-F687-4f45-9708-019B960494DF}">
-              <a14:hiddenLine xmlns:a14="http://schemas.microsoft.com/office/drawing/2010/main" xmlns="" w="12700" cap="sq">
+              <a14:hiddenLine xmlns="" xmlns:a14="http://schemas.microsoft.com/office/drawing/2010/main" w="12700" cap="sq">
                 <a:solidFill>
                   <a:srgbClr val="000000"/>
                 </a:solidFill>
@@ -16873,14 +16873,14 @@
           </a:ln>
           <a:extLst>
             <a:ext uri="{909E8E84-426E-40dd-AFC4-6F175D3DCCD1}">
-              <a14:hiddenFill xmlns:a14="http://schemas.microsoft.com/office/drawing/2010/main" xmlns="">
+              <a14:hiddenFill xmlns="" xmlns:a14="http://schemas.microsoft.com/office/drawing/2010/main">
                 <a:solidFill>
                   <a:srgbClr val="FFFFFF"/>
                 </a:solidFill>
               </a14:hiddenFill>
             </a:ext>
             <a:ext uri="{91240B29-F687-4f45-9708-019B960494DF}">
-              <a14:hiddenLine xmlns:a14="http://schemas.microsoft.com/office/drawing/2010/main" xmlns="" w="12700" cap="sq">
+              <a14:hiddenLine xmlns="" xmlns:a14="http://schemas.microsoft.com/office/drawing/2010/main" w="12700" cap="sq">
                 <a:solidFill>
                   <a:srgbClr val="000000"/>
                 </a:solidFill>
@@ -17067,7 +17067,7 @@
           </a:ln>
           <a:extLst>
             <a:ext uri="{909E8E84-426E-40dd-AFC4-6F175D3DCCD1}">
-              <a14:hiddenFill xmlns:a14="http://schemas.microsoft.com/office/drawing/2010/main" xmlns="">
+              <a14:hiddenFill xmlns="" xmlns:a14="http://schemas.microsoft.com/office/drawing/2010/main">
                 <a:solidFill>
                   <a:srgbClr val="FFFFFF"/>
                 </a:solidFill>
@@ -17122,7 +17122,7 @@
           </a:ln>
           <a:extLst>
             <a:ext uri="{909E8E84-426E-40dd-AFC4-6F175D3DCCD1}">
-              <a14:hiddenFill xmlns:a14="http://schemas.microsoft.com/office/drawing/2010/main" xmlns="">
+              <a14:hiddenFill xmlns="" xmlns:a14="http://schemas.microsoft.com/office/drawing/2010/main">
                 <a:solidFill>
                   <a:srgbClr val="FFFFFF"/>
                 </a:solidFill>
@@ -17186,14 +17186,14 @@
           <a:ln/>
           <a:extLst>
             <a:ext uri="{909E8E84-426E-40dd-AFC4-6F175D3DCCD1}">
-              <a14:hiddenFill xmlns:a14="http://schemas.microsoft.com/office/drawing/2010/main" xmlns="">
+              <a14:hiddenFill xmlns="" xmlns:a14="http://schemas.microsoft.com/office/drawing/2010/main">
                 <a:solidFill>
                   <a:srgbClr val="FFFFFF"/>
                 </a:solidFill>
               </a14:hiddenFill>
             </a:ext>
             <a:ext uri="{91240B29-F687-4f45-9708-019B960494DF}">
-              <a14:hiddenLine xmlns:a14="http://schemas.microsoft.com/office/drawing/2010/main" xmlns="" w="9525">
+              <a14:hiddenLine xmlns="" xmlns:a14="http://schemas.microsoft.com/office/drawing/2010/main" w="9525">
                 <a:solidFill>
                   <a:srgbClr val="000000"/>
                 </a:solidFill>
@@ -17350,14 +17350,14 @@
           </a:ln>
           <a:extLst>
             <a:ext uri="{909E8E84-426E-40dd-AFC4-6F175D3DCCD1}">
-              <a14:hiddenFill xmlns:a14="http://schemas.microsoft.com/office/drawing/2010/main" xmlns="">
+              <a14:hiddenFill xmlns="" xmlns:a14="http://schemas.microsoft.com/office/drawing/2010/main">
                 <a:solidFill>
                   <a:srgbClr val="FFFFFF"/>
                 </a:solidFill>
               </a14:hiddenFill>
             </a:ext>
             <a:ext uri="{91240B29-F687-4f45-9708-019B960494DF}">
-              <a14:hiddenLine xmlns:a14="http://schemas.microsoft.com/office/drawing/2010/main" xmlns="" w="12700" cap="sq">
+              <a14:hiddenLine xmlns="" xmlns:a14="http://schemas.microsoft.com/office/drawing/2010/main" w="12700" cap="sq">
                 <a:solidFill>
                   <a:srgbClr val="000000"/>
                 </a:solidFill>
@@ -17540,14 +17540,14 @@
           </a:ln>
           <a:extLst>
             <a:ext uri="{909E8E84-426E-40dd-AFC4-6F175D3DCCD1}">
-              <a14:hiddenFill xmlns:a14="http://schemas.microsoft.com/office/drawing/2010/main" xmlns="">
+              <a14:hiddenFill xmlns="" xmlns:a14="http://schemas.microsoft.com/office/drawing/2010/main">
                 <a:solidFill>
                   <a:srgbClr val="FFFFFF"/>
                 </a:solidFill>
               </a14:hiddenFill>
             </a:ext>
             <a:ext uri="{91240B29-F687-4f45-9708-019B960494DF}">
-              <a14:hiddenLine xmlns:a14="http://schemas.microsoft.com/office/drawing/2010/main" xmlns="" w="12700" cap="sq">
+              <a14:hiddenLine xmlns="" xmlns:a14="http://schemas.microsoft.com/office/drawing/2010/main" w="12700" cap="sq">
                 <a:solidFill>
                   <a:srgbClr val="000000"/>
                 </a:solidFill>
@@ -17739,7 +17739,7 @@
           </a:ln>
           <a:extLst>
             <a:ext uri="{909E8E84-426E-40dd-AFC4-6F175D3DCCD1}">
-              <a14:hiddenFill xmlns:a14="http://schemas.microsoft.com/office/drawing/2010/main" xmlns="">
+              <a14:hiddenFill xmlns="" xmlns:a14="http://schemas.microsoft.com/office/drawing/2010/main">
                 <a:solidFill>
                   <a:srgbClr val="FFFFFF"/>
                 </a:solidFill>
@@ -17794,7 +17794,7 @@
           </a:ln>
           <a:extLst>
             <a:ext uri="{909E8E84-426E-40dd-AFC4-6F175D3DCCD1}">
-              <a14:hiddenFill xmlns:a14="http://schemas.microsoft.com/office/drawing/2010/main" xmlns="">
+              <a14:hiddenFill xmlns="" xmlns:a14="http://schemas.microsoft.com/office/drawing/2010/main">
                 <a:solidFill>
                   <a:srgbClr val="FFFFFF"/>
                 </a:solidFill>
@@ -17840,14 +17840,14 @@
           </a:ln>
           <a:extLst>
             <a:ext uri="{909E8E84-426E-40dd-AFC4-6F175D3DCCD1}">
-              <a14:hiddenFill xmlns:a14="http://schemas.microsoft.com/office/drawing/2010/main" xmlns="">
+              <a14:hiddenFill xmlns="" xmlns:a14="http://schemas.microsoft.com/office/drawing/2010/main">
                 <a:solidFill>
                   <a:srgbClr val="FFFFFF"/>
                 </a:solidFill>
               </a14:hiddenFill>
             </a:ext>
             <a:ext uri="{91240B29-F687-4f45-9708-019B960494DF}">
-              <a14:hiddenLine xmlns:a14="http://schemas.microsoft.com/office/drawing/2010/main" xmlns="" w="12700" cap="sq">
+              <a14:hiddenLine xmlns="" xmlns:a14="http://schemas.microsoft.com/office/drawing/2010/main" w="12700" cap="sq">
                 <a:solidFill>
                   <a:srgbClr val="000000"/>
                 </a:solidFill>
@@ -18020,14 +18020,14 @@
           <a:ln/>
           <a:extLst>
             <a:ext uri="{909E8E84-426E-40dd-AFC4-6F175D3DCCD1}">
-              <a14:hiddenFill xmlns:a14="http://schemas.microsoft.com/office/drawing/2010/main" xmlns="">
+              <a14:hiddenFill xmlns="" xmlns:a14="http://schemas.microsoft.com/office/drawing/2010/main">
                 <a:solidFill>
                   <a:srgbClr val="FFFFFF"/>
                 </a:solidFill>
               </a14:hiddenFill>
             </a:ext>
             <a:ext uri="{91240B29-F687-4f45-9708-019B960494DF}">
-              <a14:hiddenLine xmlns:a14="http://schemas.microsoft.com/office/drawing/2010/main" xmlns="" w="9525">
+              <a14:hiddenLine xmlns="" xmlns:a14="http://schemas.microsoft.com/office/drawing/2010/main" w="9525">
                 <a:solidFill>
                   <a:srgbClr val="000000"/>
                 </a:solidFill>
@@ -18226,7 +18226,7 @@
             </a:ln>
             <a:extLst>
               <a:ext uri="{91240B29-F687-4f45-9708-019B960494DF}">
-                <a14:hiddenLine xmlns:a14="http://schemas.microsoft.com/office/drawing/2010/main" xmlns="" w="12700" cap="sq">
+                <a14:hiddenLine xmlns="" xmlns:a14="http://schemas.microsoft.com/office/drawing/2010/main" w="12700" cap="sq">
                   <a:solidFill>
                     <a:srgbClr val="000000"/>
                   </a:solidFill>
@@ -18381,7 +18381,7 @@
             </a:ln>
             <a:extLst>
               <a:ext uri="{91240B29-F687-4f45-9708-019B960494DF}">
-                <a14:hiddenLine xmlns:a14="http://schemas.microsoft.com/office/drawing/2010/main" xmlns="" w="12700" cap="sq">
+                <a14:hiddenLine xmlns="" xmlns:a14="http://schemas.microsoft.com/office/drawing/2010/main" w="12700" cap="sq">
                   <a:solidFill>
                     <a:srgbClr val="000000"/>
                   </a:solidFill>
@@ -18536,7 +18536,7 @@
             </a:ln>
             <a:extLst>
               <a:ext uri="{91240B29-F687-4f45-9708-019B960494DF}">
-                <a14:hiddenLine xmlns:a14="http://schemas.microsoft.com/office/drawing/2010/main" xmlns="" w="12700" cap="sq">
+                <a14:hiddenLine xmlns="" xmlns:a14="http://schemas.microsoft.com/office/drawing/2010/main" w="12700" cap="sq">
                   <a:solidFill>
                     <a:srgbClr val="000000"/>
                   </a:solidFill>
@@ -18691,7 +18691,7 @@
             </a:ln>
             <a:extLst>
               <a:ext uri="{91240B29-F687-4f45-9708-019B960494DF}">
-                <a14:hiddenLine xmlns:a14="http://schemas.microsoft.com/office/drawing/2010/main" xmlns="" w="12700" cap="sq">
+                <a14:hiddenLine xmlns="" xmlns:a14="http://schemas.microsoft.com/office/drawing/2010/main" w="12700" cap="sq">
                   <a:solidFill>
                     <a:srgbClr val="000000"/>
                   </a:solidFill>
@@ -18846,7 +18846,7 @@
             </a:ln>
             <a:extLst>
               <a:ext uri="{91240B29-F687-4f45-9708-019B960494DF}">
-                <a14:hiddenLine xmlns:a14="http://schemas.microsoft.com/office/drawing/2010/main" xmlns="" w="12700" cap="sq">
+                <a14:hiddenLine xmlns="" xmlns:a14="http://schemas.microsoft.com/office/drawing/2010/main" w="12700" cap="sq">
                   <a:solidFill>
                     <a:srgbClr val="000000"/>
                   </a:solidFill>
@@ -19001,7 +19001,7 @@
             </a:ln>
             <a:extLst>
               <a:ext uri="{91240B29-F687-4f45-9708-019B960494DF}">
-                <a14:hiddenLine xmlns:a14="http://schemas.microsoft.com/office/drawing/2010/main" xmlns="" w="12700" cap="sq">
+                <a14:hiddenLine xmlns="" xmlns:a14="http://schemas.microsoft.com/office/drawing/2010/main" w="12700" cap="sq">
                   <a:solidFill>
                     <a:srgbClr val="000000"/>
                   </a:solidFill>
@@ -19155,14 +19155,14 @@
           </a:ln>
           <a:extLst>
             <a:ext uri="{909E8E84-426E-40dd-AFC4-6F175D3DCCD1}">
-              <a14:hiddenFill xmlns:a14="http://schemas.microsoft.com/office/drawing/2010/main" xmlns="">
+              <a14:hiddenFill xmlns="" xmlns:a14="http://schemas.microsoft.com/office/drawing/2010/main">
                 <a:solidFill>
                   <a:srgbClr val="FFFFFF"/>
                 </a:solidFill>
               </a14:hiddenFill>
             </a:ext>
             <a:ext uri="{91240B29-F687-4f45-9708-019B960494DF}">
-              <a14:hiddenLine xmlns:a14="http://schemas.microsoft.com/office/drawing/2010/main" xmlns="" w="12700" cap="sq">
+              <a14:hiddenLine xmlns="" xmlns:a14="http://schemas.microsoft.com/office/drawing/2010/main" w="12700" cap="sq">
                 <a:solidFill>
                   <a:srgbClr val="000000"/>
                 </a:solidFill>
@@ -19317,14 +19317,14 @@
           </a:ln>
           <a:extLst>
             <a:ext uri="{909E8E84-426E-40dd-AFC4-6F175D3DCCD1}">
-              <a14:hiddenFill xmlns:a14="http://schemas.microsoft.com/office/drawing/2010/main" xmlns="">
+              <a14:hiddenFill xmlns="" xmlns:a14="http://schemas.microsoft.com/office/drawing/2010/main">
                 <a:solidFill>
                   <a:srgbClr val="FFFFFF"/>
                 </a:solidFill>
               </a14:hiddenFill>
             </a:ext>
             <a:ext uri="{91240B29-F687-4f45-9708-019B960494DF}">
-              <a14:hiddenLine xmlns:a14="http://schemas.microsoft.com/office/drawing/2010/main" xmlns="" w="12700" cap="sq">
+              <a14:hiddenLine xmlns="" xmlns:a14="http://schemas.microsoft.com/office/drawing/2010/main" w="12700" cap="sq">
                 <a:solidFill>
                   <a:srgbClr val="000000"/>
                 </a:solidFill>
@@ -19481,7 +19481,7 @@
           </a:ln>
           <a:extLst>
             <a:ext uri="{91240B29-F687-4f45-9708-019B960494DF}">
-              <a14:hiddenLine xmlns:a14="http://schemas.microsoft.com/office/drawing/2010/main" xmlns="" w="12700" cap="sq">
+              <a14:hiddenLine xmlns="" xmlns:a14="http://schemas.microsoft.com/office/drawing/2010/main" w="12700" cap="sq">
                 <a:solidFill>
                   <a:srgbClr val="000000"/>
                 </a:solidFill>
@@ -19652,7 +19652,7 @@
             </a:ln>
             <a:extLst>
               <a:ext uri="{91240B29-F687-4f45-9708-019B960494DF}">
-                <a14:hiddenLine xmlns:a14="http://schemas.microsoft.com/office/drawing/2010/main" xmlns="" w="12700" cap="sq">
+                <a14:hiddenLine xmlns="" xmlns:a14="http://schemas.microsoft.com/office/drawing/2010/main" w="12700" cap="sq">
                   <a:solidFill>
                     <a:srgbClr val="000000"/>
                   </a:solidFill>
@@ -19807,7 +19807,7 @@
             </a:ln>
             <a:extLst>
               <a:ext uri="{91240B29-F687-4f45-9708-019B960494DF}">
-                <a14:hiddenLine xmlns:a14="http://schemas.microsoft.com/office/drawing/2010/main" xmlns="" w="12700" cap="sq">
+                <a14:hiddenLine xmlns="" xmlns:a14="http://schemas.microsoft.com/office/drawing/2010/main" w="12700" cap="sq">
                   <a:solidFill>
                     <a:srgbClr val="000000"/>
                   </a:solidFill>
@@ -19962,7 +19962,7 @@
             </a:ln>
             <a:extLst>
               <a:ext uri="{91240B29-F687-4f45-9708-019B960494DF}">
-                <a14:hiddenLine xmlns:a14="http://schemas.microsoft.com/office/drawing/2010/main" xmlns="" w="12700" cap="sq">
+                <a14:hiddenLine xmlns="" xmlns:a14="http://schemas.microsoft.com/office/drawing/2010/main" w="12700" cap="sq">
                   <a:solidFill>
                     <a:srgbClr val="000000"/>
                   </a:solidFill>
@@ -20120,7 +20120,7 @@
             </a:ln>
             <a:extLst>
               <a:ext uri="{91240B29-F687-4f45-9708-019B960494DF}">
-                <a14:hiddenLine xmlns:a14="http://schemas.microsoft.com/office/drawing/2010/main" xmlns="" w="12700" cap="sq">
+                <a14:hiddenLine xmlns="" xmlns:a14="http://schemas.microsoft.com/office/drawing/2010/main" w="12700" cap="sq">
                   <a:solidFill>
                     <a:srgbClr val="000000"/>
                   </a:solidFill>
@@ -20277,14 +20277,14 @@
           </a:ln>
           <a:extLst>
             <a:ext uri="{909E8E84-426E-40dd-AFC4-6F175D3DCCD1}">
-              <a14:hiddenFill xmlns:a14="http://schemas.microsoft.com/office/drawing/2010/main" xmlns="">
+              <a14:hiddenFill xmlns="" xmlns:a14="http://schemas.microsoft.com/office/drawing/2010/main">
                 <a:solidFill>
                   <a:srgbClr val="FFFFFF"/>
                 </a:solidFill>
               </a14:hiddenFill>
             </a:ext>
             <a:ext uri="{91240B29-F687-4f45-9708-019B960494DF}">
-              <a14:hiddenLine xmlns:a14="http://schemas.microsoft.com/office/drawing/2010/main" xmlns="" w="12700" cap="sq">
+              <a14:hiddenLine xmlns="" xmlns:a14="http://schemas.microsoft.com/office/drawing/2010/main" w="12700" cap="sq">
                 <a:solidFill>
                   <a:srgbClr val="000000"/>
                 </a:solidFill>
@@ -20457,14 +20457,14 @@
           <a:ln/>
           <a:extLst>
             <a:ext uri="{909E8E84-426E-40dd-AFC4-6F175D3DCCD1}">
-              <a14:hiddenFill xmlns:a14="http://schemas.microsoft.com/office/drawing/2010/main" xmlns="">
+              <a14:hiddenFill xmlns="" xmlns:a14="http://schemas.microsoft.com/office/drawing/2010/main">
                 <a:solidFill>
                   <a:srgbClr val="FFFFFF"/>
                 </a:solidFill>
               </a14:hiddenFill>
             </a:ext>
             <a:ext uri="{91240B29-F687-4f45-9708-019B960494DF}">
-              <a14:hiddenLine xmlns:a14="http://schemas.microsoft.com/office/drawing/2010/main" xmlns="" w="9525">
+              <a14:hiddenLine xmlns="" xmlns:a14="http://schemas.microsoft.com/office/drawing/2010/main" w="9525">
                 <a:solidFill>
                   <a:srgbClr val="000000"/>
                 </a:solidFill>
@@ -20645,14 +20645,14 @@
           </a:ln>
           <a:extLst>
             <a:ext uri="{909E8E84-426E-40dd-AFC4-6F175D3DCCD1}">
-              <a14:hiddenFill xmlns:a14="http://schemas.microsoft.com/office/drawing/2010/main" xmlns="">
+              <a14:hiddenFill xmlns="" xmlns:a14="http://schemas.microsoft.com/office/drawing/2010/main">
                 <a:solidFill>
                   <a:srgbClr val="FFFFFF"/>
                 </a:solidFill>
               </a14:hiddenFill>
             </a:ext>
             <a:ext uri="{91240B29-F687-4f45-9708-019B960494DF}">
-              <a14:hiddenLine xmlns:a14="http://schemas.microsoft.com/office/drawing/2010/main" xmlns="" w="9525">
+              <a14:hiddenLine xmlns="" xmlns:a14="http://schemas.microsoft.com/office/drawing/2010/main" w="9525">
                 <a:solidFill>
                   <a:srgbClr val="000000"/>
                 </a:solidFill>
@@ -20831,14 +20831,14 @@
           <a:ln/>
           <a:extLst>
             <a:ext uri="{909E8E84-426E-40dd-AFC4-6F175D3DCCD1}">
-              <a14:hiddenFill xmlns:a14="http://schemas.microsoft.com/office/drawing/2010/main" xmlns="">
+              <a14:hiddenFill xmlns="" xmlns:a14="http://schemas.microsoft.com/office/drawing/2010/main">
                 <a:solidFill>
                   <a:srgbClr val="FFFFFF"/>
                 </a:solidFill>
               </a14:hiddenFill>
             </a:ext>
             <a:ext uri="{91240B29-F687-4f45-9708-019B960494DF}">
-              <a14:hiddenLine xmlns:a14="http://schemas.microsoft.com/office/drawing/2010/main" xmlns="" w="9525">
+              <a14:hiddenLine xmlns="" xmlns:a14="http://schemas.microsoft.com/office/drawing/2010/main" w="9525">
                 <a:solidFill>
                   <a:srgbClr val="000000"/>
                 </a:solidFill>
@@ -20995,14 +20995,14 @@
           </a:ln>
           <a:extLst>
             <a:ext uri="{909E8E84-426E-40dd-AFC4-6F175D3DCCD1}">
-              <a14:hiddenFill xmlns:a14="http://schemas.microsoft.com/office/drawing/2010/main" xmlns="">
+              <a14:hiddenFill xmlns="" xmlns:a14="http://schemas.microsoft.com/office/drawing/2010/main">
                 <a:solidFill>
                   <a:srgbClr val="FFFFFF"/>
                 </a:solidFill>
               </a14:hiddenFill>
             </a:ext>
             <a:ext uri="{91240B29-F687-4f45-9708-019B960494DF}">
-              <a14:hiddenLine xmlns:a14="http://schemas.microsoft.com/office/drawing/2010/main" xmlns="" w="12700" cap="sq">
+              <a14:hiddenLine xmlns="" xmlns:a14="http://schemas.microsoft.com/office/drawing/2010/main" w="12700" cap="sq">
                 <a:solidFill>
                   <a:srgbClr val="000000"/>
                 </a:solidFill>
@@ -21157,14 +21157,14 @@
           </a:ln>
           <a:extLst>
             <a:ext uri="{909E8E84-426E-40dd-AFC4-6F175D3DCCD1}">
-              <a14:hiddenFill xmlns:a14="http://schemas.microsoft.com/office/drawing/2010/main" xmlns="">
+              <a14:hiddenFill xmlns="" xmlns:a14="http://schemas.microsoft.com/office/drawing/2010/main">
                 <a:solidFill>
                   <a:srgbClr val="FFFFFF"/>
                 </a:solidFill>
               </a14:hiddenFill>
             </a:ext>
             <a:ext uri="{91240B29-F687-4f45-9708-019B960494DF}">
-              <a14:hiddenLine xmlns:a14="http://schemas.microsoft.com/office/drawing/2010/main" xmlns="" w="9525">
+              <a14:hiddenLine xmlns="" xmlns:a14="http://schemas.microsoft.com/office/drawing/2010/main" w="9525">
                 <a:solidFill>
                   <a:srgbClr val="000000"/>
                 </a:solidFill>
@@ -21277,14 +21277,14 @@
           </a:ln>
           <a:extLst>
             <a:ext uri="{909E8E84-426E-40dd-AFC4-6F175D3DCCD1}">
-              <a14:hiddenFill xmlns:a14="http://schemas.microsoft.com/office/drawing/2010/main" xmlns="">
+              <a14:hiddenFill xmlns="" xmlns:a14="http://schemas.microsoft.com/office/drawing/2010/main">
                 <a:solidFill>
                   <a:srgbClr val="FFFFFF"/>
                 </a:solidFill>
               </a14:hiddenFill>
             </a:ext>
             <a:ext uri="{91240B29-F687-4f45-9708-019B960494DF}">
-              <a14:hiddenLine xmlns:a14="http://schemas.microsoft.com/office/drawing/2010/main" xmlns="" w="12700" cap="sq">
+              <a14:hiddenLine xmlns="" xmlns:a14="http://schemas.microsoft.com/office/drawing/2010/main" w="12700" cap="sq">
                 <a:solidFill>
                   <a:srgbClr val="000000"/>
                 </a:solidFill>
@@ -21412,7 +21412,7 @@
               <a:rPr lang="en-US" sz="2800">
                 <a:latin typeface="Tahoma" charset="0"/>
               </a:rPr>
-              <a:t>Notes:</a:t>
+              <a:t>Notes: </a:t>
             </a:r>
           </a:p>
         </p:txBody>
@@ -21441,7 +21441,7 @@
           </a:ln>
           <a:extLst>
             <a:ext uri="{91240B29-F687-4f45-9708-019B960494DF}">
-              <a14:hiddenLine xmlns:a14="http://schemas.microsoft.com/office/drawing/2010/main" xmlns="" w="12700" cap="sq">
+              <a14:hiddenLine xmlns="" xmlns:a14="http://schemas.microsoft.com/office/drawing/2010/main" w="12700" cap="sq">
                 <a:solidFill>
                   <a:srgbClr val="000000"/>
                 </a:solidFill>
@@ -21612,7 +21612,7 @@
             </a:ln>
             <a:extLst>
               <a:ext uri="{91240B29-F687-4f45-9708-019B960494DF}">
-                <a14:hiddenLine xmlns:a14="http://schemas.microsoft.com/office/drawing/2010/main" xmlns="" w="12700" cap="sq">
+                <a14:hiddenLine xmlns="" xmlns:a14="http://schemas.microsoft.com/office/drawing/2010/main" w="12700" cap="sq">
                   <a:solidFill>
                     <a:srgbClr val="000000"/>
                   </a:solidFill>
@@ -21777,7 +21777,7 @@
             </a:ln>
             <a:extLst>
               <a:ext uri="{91240B29-F687-4f45-9708-019B960494DF}">
-                <a14:hiddenLine xmlns:a14="http://schemas.microsoft.com/office/drawing/2010/main" xmlns="" w="12700" cap="sq">
+                <a14:hiddenLine xmlns="" xmlns:a14="http://schemas.microsoft.com/office/drawing/2010/main" w="12700" cap="sq">
                   <a:solidFill>
                     <a:srgbClr val="000000"/>
                   </a:solidFill>
@@ -21930,14 +21930,14 @@
             </a:ln>
             <a:extLst>
               <a:ext uri="{909E8E84-426E-40dd-AFC4-6F175D3DCCD1}">
-                <a14:hiddenFill xmlns:a14="http://schemas.microsoft.com/office/drawing/2010/main" xmlns="">
+                <a14:hiddenFill xmlns="" xmlns:a14="http://schemas.microsoft.com/office/drawing/2010/main">
                   <a:solidFill>
                     <a:srgbClr val="FFFFFF"/>
                   </a:solidFill>
                 </a14:hiddenFill>
               </a:ext>
               <a:ext uri="{91240B29-F687-4f45-9708-019B960494DF}">
-                <a14:hiddenLine xmlns:a14="http://schemas.microsoft.com/office/drawing/2010/main" xmlns="" w="12700" cap="sq">
+                <a14:hiddenLine xmlns="" xmlns:a14="http://schemas.microsoft.com/office/drawing/2010/main" w="12700" cap="sq">
                   <a:solidFill>
                     <a:srgbClr val="000000"/>
                   </a:solidFill>
@@ -22111,14 +22111,14 @@
           <a:ln/>
           <a:extLst>
             <a:ext uri="{909E8E84-426E-40dd-AFC4-6F175D3DCCD1}">
-              <a14:hiddenFill xmlns:a14="http://schemas.microsoft.com/office/drawing/2010/main" xmlns="">
+              <a14:hiddenFill xmlns="" xmlns:a14="http://schemas.microsoft.com/office/drawing/2010/main">
                 <a:solidFill>
                   <a:srgbClr val="FFFFFF"/>
                 </a:solidFill>
               </a14:hiddenFill>
             </a:ext>
             <a:ext uri="{91240B29-F687-4f45-9708-019B960494DF}">
-              <a14:hiddenLine xmlns:a14="http://schemas.microsoft.com/office/drawing/2010/main" xmlns="" w="9525">
+              <a14:hiddenLine xmlns="" xmlns:a14="http://schemas.microsoft.com/office/drawing/2010/main" w="9525">
                 <a:solidFill>
                   <a:srgbClr val="000000"/>
                 </a:solidFill>
@@ -22299,14 +22299,14 @@
           </a:ln>
           <a:extLst>
             <a:ext uri="{909E8E84-426E-40dd-AFC4-6F175D3DCCD1}">
-              <a14:hiddenFill xmlns:a14="http://schemas.microsoft.com/office/drawing/2010/main" xmlns="">
+              <a14:hiddenFill xmlns="" xmlns:a14="http://schemas.microsoft.com/office/drawing/2010/main">
                 <a:solidFill>
                   <a:srgbClr val="FFFFFF"/>
                 </a:solidFill>
               </a14:hiddenFill>
             </a:ext>
             <a:ext uri="{91240B29-F687-4f45-9708-019B960494DF}">
-              <a14:hiddenLine xmlns:a14="http://schemas.microsoft.com/office/drawing/2010/main" xmlns="" w="12700" cap="sq">
+              <a14:hiddenLine xmlns="" xmlns:a14="http://schemas.microsoft.com/office/drawing/2010/main" w="12700" cap="sq">
                 <a:solidFill>
                   <a:srgbClr val="000000"/>
                 </a:solidFill>
@@ -22463,7 +22463,7 @@
           </a:ln>
           <a:extLst>
             <a:ext uri="{91240B29-F687-4f45-9708-019B960494DF}">
-              <a14:hiddenLine xmlns:a14="http://schemas.microsoft.com/office/drawing/2010/main" xmlns="" w="12700" cap="sq">
+              <a14:hiddenLine xmlns="" xmlns:a14="http://schemas.microsoft.com/office/drawing/2010/main" w="12700" cap="sq">
                 <a:solidFill>
                   <a:srgbClr val="000000"/>
                 </a:solidFill>
@@ -22616,14 +22616,14 @@
           </a:ln>
           <a:extLst>
             <a:ext uri="{909E8E84-426E-40dd-AFC4-6F175D3DCCD1}">
-              <a14:hiddenFill xmlns:a14="http://schemas.microsoft.com/office/drawing/2010/main" xmlns="">
+              <a14:hiddenFill xmlns="" xmlns:a14="http://schemas.microsoft.com/office/drawing/2010/main">
                 <a:solidFill>
                   <a:srgbClr val="FFFFFF"/>
                 </a:solidFill>
               </a14:hiddenFill>
             </a:ext>
             <a:ext uri="{91240B29-F687-4f45-9708-019B960494DF}">
-              <a14:hiddenLine xmlns:a14="http://schemas.microsoft.com/office/drawing/2010/main" xmlns="" w="12700" cap="sq">
+              <a14:hiddenLine xmlns="" xmlns:a14="http://schemas.microsoft.com/office/drawing/2010/main" w="12700" cap="sq">
                 <a:solidFill>
                   <a:srgbClr val="000000"/>
                 </a:solidFill>
@@ -22780,7 +22780,7 @@
           </a:ln>
           <a:extLst>
             <a:ext uri="{91240B29-F687-4f45-9708-019B960494DF}">
-              <a14:hiddenLine xmlns:a14="http://schemas.microsoft.com/office/drawing/2010/main" xmlns="" w="12700" cap="sq">
+              <a14:hiddenLine xmlns="" xmlns:a14="http://schemas.microsoft.com/office/drawing/2010/main" w="12700" cap="sq">
                 <a:solidFill>
                   <a:srgbClr val="000000"/>
                 </a:solidFill>
@@ -23005,14 +23005,14 @@
           <a:ln/>
           <a:extLst>
             <a:ext uri="{909E8E84-426E-40dd-AFC4-6F175D3DCCD1}">
-              <a14:hiddenFill xmlns:a14="http://schemas.microsoft.com/office/drawing/2010/main" xmlns="">
+              <a14:hiddenFill xmlns="" xmlns:a14="http://schemas.microsoft.com/office/drawing/2010/main">
                 <a:solidFill>
                   <a:srgbClr val="FFFFFF"/>
                 </a:solidFill>
               </a14:hiddenFill>
             </a:ext>
             <a:ext uri="{91240B29-F687-4f45-9708-019B960494DF}">
-              <a14:hiddenLine xmlns:a14="http://schemas.microsoft.com/office/drawing/2010/main" xmlns="" w="9525">
+              <a14:hiddenLine xmlns="" xmlns:a14="http://schemas.microsoft.com/office/drawing/2010/main" w="9525">
                 <a:solidFill>
                   <a:srgbClr val="000000"/>
                 </a:solidFill>
@@ -23169,14 +23169,14 @@
           </a:ln>
           <a:extLst>
             <a:ext uri="{909E8E84-426E-40dd-AFC4-6F175D3DCCD1}">
-              <a14:hiddenFill xmlns:a14="http://schemas.microsoft.com/office/drawing/2010/main" xmlns="">
+              <a14:hiddenFill xmlns="" xmlns:a14="http://schemas.microsoft.com/office/drawing/2010/main">
                 <a:solidFill>
                   <a:srgbClr val="FFFFFF"/>
                 </a:solidFill>
               </a14:hiddenFill>
             </a:ext>
             <a:ext uri="{91240B29-F687-4f45-9708-019B960494DF}">
-              <a14:hiddenLine xmlns:a14="http://schemas.microsoft.com/office/drawing/2010/main" xmlns="" w="12700" cap="sq">
+              <a14:hiddenLine xmlns="" xmlns:a14="http://schemas.microsoft.com/office/drawing/2010/main" w="12700" cap="sq">
                 <a:solidFill>
                   <a:srgbClr val="000000"/>
                 </a:solidFill>
@@ -23333,7 +23333,7 @@
           </a:ln>
           <a:extLst>
             <a:ext uri="{91240B29-F687-4f45-9708-019B960494DF}">
-              <a14:hiddenLine xmlns:a14="http://schemas.microsoft.com/office/drawing/2010/main" xmlns="" w="12700" cap="sq">
+              <a14:hiddenLine xmlns="" xmlns:a14="http://schemas.microsoft.com/office/drawing/2010/main" w="12700" cap="sq">
                 <a:solidFill>
                   <a:srgbClr val="000000"/>
                 </a:solidFill>
@@ -23540,14 +23540,14 @@
           </a:ln>
           <a:extLst>
             <a:ext uri="{909E8E84-426E-40dd-AFC4-6F175D3DCCD1}">
-              <a14:hiddenFill xmlns:a14="http://schemas.microsoft.com/office/drawing/2010/main" xmlns="">
+              <a14:hiddenFill xmlns="" xmlns:a14="http://schemas.microsoft.com/office/drawing/2010/main">
                 <a:solidFill>
                   <a:srgbClr val="FFFFFF"/>
                 </a:solidFill>
               </a14:hiddenFill>
             </a:ext>
             <a:ext uri="{91240B29-F687-4f45-9708-019B960494DF}">
-              <a14:hiddenLine xmlns:a14="http://schemas.microsoft.com/office/drawing/2010/main" xmlns="" w="12700" cap="sq">
+              <a14:hiddenLine xmlns="" xmlns:a14="http://schemas.microsoft.com/office/drawing/2010/main" w="12700" cap="sq">
                 <a:solidFill>
                   <a:srgbClr val="000000"/>
                 </a:solidFill>
@@ -23704,7 +23704,7 @@
           </a:ln>
           <a:extLst>
             <a:ext uri="{91240B29-F687-4f45-9708-019B960494DF}">
-              <a14:hiddenLine xmlns:a14="http://schemas.microsoft.com/office/drawing/2010/main" xmlns="" w="12700" cap="sq">
+              <a14:hiddenLine xmlns="" xmlns:a14="http://schemas.microsoft.com/office/drawing/2010/main" w="12700" cap="sq">
                 <a:solidFill>
                   <a:srgbClr val="000000"/>
                 </a:solidFill>
@@ -23875,14 +23875,14 @@
           <a:ln/>
           <a:extLst>
             <a:ext uri="{909E8E84-426E-40dd-AFC4-6F175D3DCCD1}">
-              <a14:hiddenFill xmlns:a14="http://schemas.microsoft.com/office/drawing/2010/main" xmlns="">
+              <a14:hiddenFill xmlns="" xmlns:a14="http://schemas.microsoft.com/office/drawing/2010/main">
                 <a:solidFill>
                   <a:srgbClr val="FFFFFF"/>
                 </a:solidFill>
               </a14:hiddenFill>
             </a:ext>
             <a:ext uri="{91240B29-F687-4f45-9708-019B960494DF}">
-              <a14:hiddenLine xmlns:a14="http://schemas.microsoft.com/office/drawing/2010/main" xmlns="" w="9525">
+              <a14:hiddenLine xmlns="" xmlns:a14="http://schemas.microsoft.com/office/drawing/2010/main" w="9525">
                 <a:solidFill>
                   <a:srgbClr val="000000"/>
                 </a:solidFill>
@@ -24041,7 +24041,7 @@
           </a:ln>
           <a:extLst>
             <a:ext uri="{91240B29-F687-4f45-9708-019B960494DF}">
-              <a14:hiddenLine xmlns:a14="http://schemas.microsoft.com/office/drawing/2010/main" xmlns="" w="12700" cap="sq">
+              <a14:hiddenLine xmlns="" xmlns:a14="http://schemas.microsoft.com/office/drawing/2010/main" w="12700" cap="sq">
                 <a:solidFill>
                   <a:srgbClr val="000000"/>
                 </a:solidFill>
@@ -24248,14 +24248,14 @@
           </a:ln>
           <a:extLst>
             <a:ext uri="{909E8E84-426E-40dd-AFC4-6F175D3DCCD1}">
-              <a14:hiddenFill xmlns:a14="http://schemas.microsoft.com/office/drawing/2010/main" xmlns="">
+              <a14:hiddenFill xmlns="" xmlns:a14="http://schemas.microsoft.com/office/drawing/2010/main">
                 <a:solidFill>
                   <a:srgbClr val="FFFFFF"/>
                 </a:solidFill>
               </a14:hiddenFill>
             </a:ext>
             <a:ext uri="{91240B29-F687-4f45-9708-019B960494DF}">
-              <a14:hiddenLine xmlns:a14="http://schemas.microsoft.com/office/drawing/2010/main" xmlns="" w="12700" cap="sq">
+              <a14:hiddenLine xmlns="" xmlns:a14="http://schemas.microsoft.com/office/drawing/2010/main" w="12700" cap="sq">
                 <a:solidFill>
                   <a:srgbClr val="000000"/>
                 </a:solidFill>
@@ -24419,7 +24419,7 @@
           </a:ln>
           <a:extLst>
             <a:ext uri="{909E8E84-426E-40dd-AFC4-6F175D3DCCD1}">
-              <a14:hiddenFill xmlns:a14="http://schemas.microsoft.com/office/drawing/2010/main" xmlns="">
+              <a14:hiddenFill xmlns="" xmlns:a14="http://schemas.microsoft.com/office/drawing/2010/main">
                 <a:solidFill>
                   <a:srgbClr val="FFFFFF"/>
                 </a:solidFill>
@@ -24483,14 +24483,14 @@
           <a:ln/>
           <a:extLst>
             <a:ext uri="{909E8E84-426E-40dd-AFC4-6F175D3DCCD1}">
-              <a14:hiddenFill xmlns:a14="http://schemas.microsoft.com/office/drawing/2010/main" xmlns="">
+              <a14:hiddenFill xmlns="" xmlns:a14="http://schemas.microsoft.com/office/drawing/2010/main">
                 <a:solidFill>
                   <a:srgbClr val="FFFFFF"/>
                 </a:solidFill>
               </a14:hiddenFill>
             </a:ext>
             <a:ext uri="{91240B29-F687-4f45-9708-019B960494DF}">
-              <a14:hiddenLine xmlns:a14="http://schemas.microsoft.com/office/drawing/2010/main" xmlns="" w="9525">
+              <a14:hiddenLine xmlns="" xmlns:a14="http://schemas.microsoft.com/office/drawing/2010/main" w="9525">
                 <a:solidFill>
                   <a:srgbClr val="000000"/>
                 </a:solidFill>
@@ -24671,14 +24671,14 @@
           </a:ln>
           <a:extLst>
             <a:ext uri="{909E8E84-426E-40dd-AFC4-6F175D3DCCD1}">
-              <a14:hiddenFill xmlns:a14="http://schemas.microsoft.com/office/drawing/2010/main" xmlns="">
+              <a14:hiddenFill xmlns="" xmlns:a14="http://schemas.microsoft.com/office/drawing/2010/main">
                 <a:solidFill>
                   <a:srgbClr val="FFFFFF"/>
                 </a:solidFill>
               </a14:hiddenFill>
             </a:ext>
             <a:ext uri="{91240B29-F687-4f45-9708-019B960494DF}">
-              <a14:hiddenLine xmlns:a14="http://schemas.microsoft.com/office/drawing/2010/main" xmlns="" w="12700" cap="sq">
+              <a14:hiddenLine xmlns="" xmlns:a14="http://schemas.microsoft.com/office/drawing/2010/main" w="12700" cap="sq">
                 <a:solidFill>
                   <a:srgbClr val="000000"/>
                 </a:solidFill>
@@ -24835,7 +24835,7 @@
           </a:ln>
           <a:extLst>
             <a:ext uri="{91240B29-F687-4f45-9708-019B960494DF}">
-              <a14:hiddenLine xmlns:a14="http://schemas.microsoft.com/office/drawing/2010/main" xmlns="" w="12700" cap="sq">
+              <a14:hiddenLine xmlns="" xmlns:a14="http://schemas.microsoft.com/office/drawing/2010/main" w="12700" cap="sq">
                 <a:solidFill>
                   <a:srgbClr val="000000"/>
                 </a:solidFill>
@@ -24998,14 +24998,14 @@
           </a:ln>
           <a:extLst>
             <a:ext uri="{909E8E84-426E-40dd-AFC4-6F175D3DCCD1}">
-              <a14:hiddenFill xmlns:a14="http://schemas.microsoft.com/office/drawing/2010/main" xmlns="">
+              <a14:hiddenFill xmlns="" xmlns:a14="http://schemas.microsoft.com/office/drawing/2010/main">
                 <a:solidFill>
                   <a:srgbClr val="FFFFFF"/>
                 </a:solidFill>
               </a14:hiddenFill>
             </a:ext>
             <a:ext uri="{91240B29-F687-4f45-9708-019B960494DF}">
-              <a14:hiddenLine xmlns:a14="http://schemas.microsoft.com/office/drawing/2010/main" xmlns="" w="12700" cap="sq">
+              <a14:hiddenLine xmlns="" xmlns:a14="http://schemas.microsoft.com/office/drawing/2010/main" w="12700" cap="sq">
                 <a:solidFill>
                   <a:srgbClr val="000000"/>
                 </a:solidFill>
@@ -25162,7 +25162,7 @@
           </a:ln>
           <a:extLst>
             <a:ext uri="{91240B29-F687-4f45-9708-019B960494DF}">
-              <a14:hiddenLine xmlns:a14="http://schemas.microsoft.com/office/drawing/2010/main" xmlns="" w="12700" cap="sq">
+              <a14:hiddenLine xmlns="" xmlns:a14="http://schemas.microsoft.com/office/drawing/2010/main" w="12700" cap="sq">
                 <a:solidFill>
                   <a:srgbClr val="000000"/>
                 </a:solidFill>
